--- a/Er.pptx
+++ b/Er.pptx
@@ -259,7 +259,7 @@
           <a:p>
             <a:fld id="{A6D7FE43-FBA7-4265-8E1B-2DFE33AB4FC3}" type="datetimeFigureOut">
               <a:rPr lang="hu-HU" smtClean="0"/>
-              <a:t>2025. 10. 07.</a:t>
+              <a:t>2025. 10. 14.</a:t>
             </a:fld>
             <a:endParaRPr lang="hu-HU" dirty="0"/>
           </a:p>
@@ -457,7 +457,7 @@
           <a:p>
             <a:fld id="{A6D7FE43-FBA7-4265-8E1B-2DFE33AB4FC3}" type="datetimeFigureOut">
               <a:rPr lang="hu-HU" smtClean="0"/>
-              <a:t>2025. 10. 07.</a:t>
+              <a:t>2025. 10. 14.</a:t>
             </a:fld>
             <a:endParaRPr lang="hu-HU" dirty="0"/>
           </a:p>
@@ -665,7 +665,7 @@
           <a:p>
             <a:fld id="{A6D7FE43-FBA7-4265-8E1B-2DFE33AB4FC3}" type="datetimeFigureOut">
               <a:rPr lang="hu-HU" smtClean="0"/>
-              <a:t>2025. 10. 07.</a:t>
+              <a:t>2025. 10. 14.</a:t>
             </a:fld>
             <a:endParaRPr lang="hu-HU" dirty="0"/>
           </a:p>
@@ -863,7 +863,7 @@
           <a:p>
             <a:fld id="{A6D7FE43-FBA7-4265-8E1B-2DFE33AB4FC3}" type="datetimeFigureOut">
               <a:rPr lang="hu-HU" smtClean="0"/>
-              <a:t>2025. 10. 07.</a:t>
+              <a:t>2025. 10. 14.</a:t>
             </a:fld>
             <a:endParaRPr lang="hu-HU" dirty="0"/>
           </a:p>
@@ -1138,7 +1138,7 @@
           <a:p>
             <a:fld id="{A6D7FE43-FBA7-4265-8E1B-2DFE33AB4FC3}" type="datetimeFigureOut">
               <a:rPr lang="hu-HU" smtClean="0"/>
-              <a:t>2025. 10. 07.</a:t>
+              <a:t>2025. 10. 14.</a:t>
             </a:fld>
             <a:endParaRPr lang="hu-HU" dirty="0"/>
           </a:p>
@@ -1403,7 +1403,7 @@
           <a:p>
             <a:fld id="{A6D7FE43-FBA7-4265-8E1B-2DFE33AB4FC3}" type="datetimeFigureOut">
               <a:rPr lang="hu-HU" smtClean="0"/>
-              <a:t>2025. 10. 07.</a:t>
+              <a:t>2025. 10. 14.</a:t>
             </a:fld>
             <a:endParaRPr lang="hu-HU" dirty="0"/>
           </a:p>
@@ -1815,7 +1815,7 @@
           <a:p>
             <a:fld id="{A6D7FE43-FBA7-4265-8E1B-2DFE33AB4FC3}" type="datetimeFigureOut">
               <a:rPr lang="hu-HU" smtClean="0"/>
-              <a:t>2025. 10. 07.</a:t>
+              <a:t>2025. 10. 14.</a:t>
             </a:fld>
             <a:endParaRPr lang="hu-HU" dirty="0"/>
           </a:p>
@@ -1956,7 +1956,7 @@
           <a:p>
             <a:fld id="{A6D7FE43-FBA7-4265-8E1B-2DFE33AB4FC3}" type="datetimeFigureOut">
               <a:rPr lang="hu-HU" smtClean="0"/>
-              <a:t>2025. 10. 07.</a:t>
+              <a:t>2025. 10. 14.</a:t>
             </a:fld>
             <a:endParaRPr lang="hu-HU" dirty="0"/>
           </a:p>
@@ -2069,7 +2069,7 @@
           <a:p>
             <a:fld id="{A6D7FE43-FBA7-4265-8E1B-2DFE33AB4FC3}" type="datetimeFigureOut">
               <a:rPr lang="hu-HU" smtClean="0"/>
-              <a:t>2025. 10. 07.</a:t>
+              <a:t>2025. 10. 14.</a:t>
             </a:fld>
             <a:endParaRPr lang="hu-HU" dirty="0"/>
           </a:p>
@@ -2380,7 +2380,7 @@
           <a:p>
             <a:fld id="{A6D7FE43-FBA7-4265-8E1B-2DFE33AB4FC3}" type="datetimeFigureOut">
               <a:rPr lang="hu-HU" smtClean="0"/>
-              <a:t>2025. 10. 07.</a:t>
+              <a:t>2025. 10. 14.</a:t>
             </a:fld>
             <a:endParaRPr lang="hu-HU" dirty="0"/>
           </a:p>
@@ -2668,7 +2668,7 @@
           <a:p>
             <a:fld id="{A6D7FE43-FBA7-4265-8E1B-2DFE33AB4FC3}" type="datetimeFigureOut">
               <a:rPr lang="hu-HU" smtClean="0"/>
-              <a:t>2025. 10. 07.</a:t>
+              <a:t>2025. 10. 14.</a:t>
             </a:fld>
             <a:endParaRPr lang="hu-HU" dirty="0"/>
           </a:p>
@@ -2909,7 +2909,7 @@
           <a:p>
             <a:fld id="{A6D7FE43-FBA7-4265-8E1B-2DFE33AB4FC3}" type="datetimeFigureOut">
               <a:rPr lang="hu-HU" smtClean="0"/>
-              <a:t>2025. 10. 07.</a:t>
+              <a:t>2025. 10. 14.</a:t>
             </a:fld>
             <a:endParaRPr lang="hu-HU" dirty="0"/>
           </a:p>
@@ -4131,7 +4131,7 @@
         </p:nvSpPr>
         <p:spPr>
           <a:xfrm>
-            <a:off x="1565778" y="2398444"/>
+            <a:off x="2170415" y="2791713"/>
             <a:ext cx="1340279" cy="620785"/>
           </a:xfrm>
           <a:prstGeom prst="ellipse">
@@ -4583,10 +4583,10 @@
       </p:sp>
       <p:sp>
         <p:nvSpPr>
-          <p:cNvPr id="38" name="Ellipszis 37">
-            <a:extLst>
-              <a:ext uri="{FF2B5EF4-FFF2-40B4-BE49-F238E27FC236}">
-                <a16:creationId xmlns:a16="http://schemas.microsoft.com/office/drawing/2014/main" id="{195D0F3E-A6D3-4775-841B-B7D13F10E313}"/>
+          <p:cNvPr id="39" name="Ellipszis 38">
+            <a:extLst>
+              <a:ext uri="{FF2B5EF4-FFF2-40B4-BE49-F238E27FC236}">
+                <a16:creationId xmlns:a16="http://schemas.microsoft.com/office/drawing/2014/main" id="{16A4DDE9-CF9B-47F2-9076-BBA68139D5AF}"/>
               </a:ext>
             </a:extLst>
           </p:cNvPr>
@@ -4595,8 +4595,8 @@
         </p:nvSpPr>
         <p:spPr>
           <a:xfrm>
-            <a:off x="3174370" y="2640950"/>
-            <a:ext cx="1340279" cy="620785"/>
+            <a:off x="3510694" y="3789418"/>
+            <a:ext cx="1118533" cy="523813"/>
           </a:xfrm>
           <a:prstGeom prst="ellipse">
             <a:avLst/>
@@ -4627,8 +4627,8 @@
           <a:p>
             <a:pPr algn="ctr"/>
             <a:r>
-              <a:rPr lang="hu-HU" i="1" dirty="0"/>
-              <a:t>cname</a:t>
+              <a:rPr lang="hu-HU" u="sng" dirty="0"/>
+              <a:t>iid</a:t>
             </a:r>
           </a:p>
           <a:p>
@@ -4641,10 +4641,10 @@
       </p:sp>
       <p:sp>
         <p:nvSpPr>
-          <p:cNvPr id="39" name="Ellipszis 38">
-            <a:extLst>
-              <a:ext uri="{FF2B5EF4-FFF2-40B4-BE49-F238E27FC236}">
-                <a16:creationId xmlns:a16="http://schemas.microsoft.com/office/drawing/2014/main" id="{16A4DDE9-CF9B-47F2-9076-BBA68139D5AF}"/>
+          <p:cNvPr id="42" name="Ellipszis 41">
+            <a:extLst>
+              <a:ext uri="{FF2B5EF4-FFF2-40B4-BE49-F238E27FC236}">
+                <a16:creationId xmlns:a16="http://schemas.microsoft.com/office/drawing/2014/main" id="{0DE54267-9617-4380-82C4-59DB0DE894E4}"/>
               </a:ext>
             </a:extLst>
           </p:cNvPr>
@@ -4653,8 +4653,8 @@
         </p:nvSpPr>
         <p:spPr>
           <a:xfrm>
-            <a:off x="3510694" y="3789418"/>
-            <a:ext cx="1118533" cy="523813"/>
+            <a:off x="6597028" y="3747935"/>
+            <a:ext cx="1185949" cy="537095"/>
           </a:xfrm>
           <a:prstGeom prst="ellipse">
             <a:avLst/>
@@ -4685,8 +4685,8 @@
           <a:p>
             <a:pPr algn="ctr"/>
             <a:r>
-              <a:rPr lang="hu-HU" u="sng" dirty="0"/>
-              <a:t>iid</a:t>
+              <a:rPr lang="hu-HU" dirty="0"/>
+              <a:t>iname</a:t>
             </a:r>
           </a:p>
           <a:p>
@@ -4699,10 +4699,10 @@
       </p:sp>
       <p:sp>
         <p:nvSpPr>
-          <p:cNvPr id="42" name="Ellipszis 41">
-            <a:extLst>
-              <a:ext uri="{FF2B5EF4-FFF2-40B4-BE49-F238E27FC236}">
-                <a16:creationId xmlns:a16="http://schemas.microsoft.com/office/drawing/2014/main" id="{0DE54267-9617-4380-82C4-59DB0DE894E4}"/>
+          <p:cNvPr id="45" name="Ellipszis 44">
+            <a:extLst>
+              <a:ext uri="{FF2B5EF4-FFF2-40B4-BE49-F238E27FC236}">
+                <a16:creationId xmlns:a16="http://schemas.microsoft.com/office/drawing/2014/main" id="{0BAF4650-BFC5-40EB-B1C8-9C9E949D8EE9}"/>
               </a:ext>
             </a:extLst>
           </p:cNvPr>
@@ -4711,7 +4711,7 @@
         </p:nvSpPr>
         <p:spPr>
           <a:xfrm>
-            <a:off x="6597028" y="3747935"/>
+            <a:off x="5638343" y="5282351"/>
             <a:ext cx="1185949" cy="537095"/>
           </a:xfrm>
           <a:prstGeom prst="ellipse">
@@ -4744,7 +4744,7 @@
             <a:pPr algn="ctr"/>
             <a:r>
               <a:rPr lang="hu-HU" dirty="0"/>
-              <a:t>iname</a:t>
+              <a:t>cost</a:t>
             </a:r>
           </a:p>
           <a:p>
@@ -4755,12 +4755,504 @@
           </a:p>
         </p:txBody>
       </p:sp>
-      <p:sp>
-        <p:nvSpPr>
-          <p:cNvPr id="43" name="Ellipszis 42">
-            <a:extLst>
-              <a:ext uri="{FF2B5EF4-FFF2-40B4-BE49-F238E27FC236}">
-                <a16:creationId xmlns:a16="http://schemas.microsoft.com/office/drawing/2014/main" id="{778AC420-2C0F-40B8-A489-6C8B95391374}"/>
+      <p:cxnSp>
+        <p:nvCxnSpPr>
+          <p:cNvPr id="23" name="Egyenes összekötő 22">
+            <a:extLst>
+              <a:ext uri="{FF2B5EF4-FFF2-40B4-BE49-F238E27FC236}">
+                <a16:creationId xmlns:a16="http://schemas.microsoft.com/office/drawing/2014/main" id="{44906F84-BA1C-465D-BB56-DA4BDF94A86B}"/>
+              </a:ext>
+            </a:extLst>
+          </p:cNvPr>
+          <p:cNvCxnSpPr>
+            <a:cxnSpLocks/>
+            <a:stCxn id="39" idx="7"/>
+            <a:endCxn id="7" idx="2"/>
+          </p:cNvCxnSpPr>
+          <p:nvPr/>
+        </p:nvCxnSpPr>
+        <p:spPr>
+          <a:xfrm flipV="1">
+            <a:off x="4465422" y="3617051"/>
+            <a:ext cx="1226508" cy="249078"/>
+          </a:xfrm>
+          <a:prstGeom prst="line">
+            <a:avLst/>
+          </a:prstGeom>
+          <a:ln w="28575"/>
+        </p:spPr>
+        <p:style>
+          <a:lnRef idx="1">
+            <a:schemeClr val="dk1"/>
+          </a:lnRef>
+          <a:fillRef idx="0">
+            <a:schemeClr val="dk1"/>
+          </a:fillRef>
+          <a:effectRef idx="0">
+            <a:schemeClr val="dk1"/>
+          </a:effectRef>
+          <a:fontRef idx="minor">
+            <a:schemeClr val="tx1"/>
+          </a:fontRef>
+        </p:style>
+      </p:cxnSp>
+      <p:cxnSp>
+        <p:nvCxnSpPr>
+          <p:cNvPr id="49" name="Egyenes összekötő 48">
+            <a:extLst>
+              <a:ext uri="{FF2B5EF4-FFF2-40B4-BE49-F238E27FC236}">
+                <a16:creationId xmlns:a16="http://schemas.microsoft.com/office/drawing/2014/main" id="{B7D83D72-44FF-43E3-A0CE-40B44999B590}"/>
+              </a:ext>
+            </a:extLst>
+          </p:cNvPr>
+          <p:cNvCxnSpPr>
+            <a:cxnSpLocks/>
+            <a:stCxn id="42" idx="1"/>
+            <a:endCxn id="7" idx="2"/>
+          </p:cNvCxnSpPr>
+          <p:nvPr/>
+        </p:nvCxnSpPr>
+        <p:spPr>
+          <a:xfrm flipH="1" flipV="1">
+            <a:off x="5691930" y="3617051"/>
+            <a:ext cx="1078776" cy="209540"/>
+          </a:xfrm>
+          <a:prstGeom prst="line">
+            <a:avLst/>
+          </a:prstGeom>
+          <a:ln w="28575"/>
+        </p:spPr>
+        <p:style>
+          <a:lnRef idx="1">
+            <a:schemeClr val="dk1"/>
+          </a:lnRef>
+          <a:fillRef idx="0">
+            <a:schemeClr val="dk1"/>
+          </a:fillRef>
+          <a:effectRef idx="0">
+            <a:schemeClr val="dk1"/>
+          </a:effectRef>
+          <a:fontRef idx="minor">
+            <a:schemeClr val="tx1"/>
+          </a:fontRef>
+        </p:style>
+      </p:cxnSp>
+      <p:cxnSp>
+        <p:nvCxnSpPr>
+          <p:cNvPr id="55" name="Egyenes összekötő 54">
+            <a:extLst>
+              <a:ext uri="{FF2B5EF4-FFF2-40B4-BE49-F238E27FC236}">
+                <a16:creationId xmlns:a16="http://schemas.microsoft.com/office/drawing/2014/main" id="{9ECA5B28-6818-4703-B553-DB373F0A11E4}"/>
+              </a:ext>
+            </a:extLst>
+          </p:cNvPr>
+          <p:cNvCxnSpPr>
+            <a:cxnSpLocks/>
+            <a:stCxn id="45" idx="0"/>
+            <a:endCxn id="7" idx="2"/>
+          </p:cNvCxnSpPr>
+          <p:nvPr/>
+        </p:nvCxnSpPr>
+        <p:spPr>
+          <a:xfrm flipH="1" flipV="1">
+            <a:off x="5691930" y="3617051"/>
+            <a:ext cx="539388" cy="1665300"/>
+          </a:xfrm>
+          <a:prstGeom prst="line">
+            <a:avLst/>
+          </a:prstGeom>
+          <a:ln w="28575"/>
+        </p:spPr>
+        <p:style>
+          <a:lnRef idx="1">
+            <a:schemeClr val="dk1"/>
+          </a:lnRef>
+          <a:fillRef idx="0">
+            <a:schemeClr val="dk1"/>
+          </a:fillRef>
+          <a:effectRef idx="0">
+            <a:schemeClr val="dk1"/>
+          </a:effectRef>
+          <a:fontRef idx="minor">
+            <a:schemeClr val="tx1"/>
+          </a:fontRef>
+        </p:style>
+      </p:cxnSp>
+      <p:cxnSp>
+        <p:nvCxnSpPr>
+          <p:cNvPr id="66" name="Egyenes összekötő 65">
+            <a:extLst>
+              <a:ext uri="{FF2B5EF4-FFF2-40B4-BE49-F238E27FC236}">
+                <a16:creationId xmlns:a16="http://schemas.microsoft.com/office/drawing/2014/main" id="{FADA9F5D-CFC4-4061-AB35-99A877483809}"/>
+              </a:ext>
+            </a:extLst>
+          </p:cNvPr>
+          <p:cNvCxnSpPr>
+            <a:cxnSpLocks/>
+            <a:stCxn id="9" idx="0"/>
+            <a:endCxn id="14" idx="5"/>
+          </p:cNvCxnSpPr>
+          <p:nvPr/>
+        </p:nvCxnSpPr>
+        <p:spPr>
+          <a:xfrm flipH="1" flipV="1">
+            <a:off x="10255795" y="2651198"/>
+            <a:ext cx="1206364" cy="345069"/>
+          </a:xfrm>
+          <a:prstGeom prst="line">
+            <a:avLst/>
+          </a:prstGeom>
+          <a:ln w="28575"/>
+        </p:spPr>
+        <p:style>
+          <a:lnRef idx="1">
+            <a:schemeClr val="dk1"/>
+          </a:lnRef>
+          <a:fillRef idx="0">
+            <a:schemeClr val="dk1"/>
+          </a:fillRef>
+          <a:effectRef idx="0">
+            <a:schemeClr val="dk1"/>
+          </a:effectRef>
+          <a:fontRef idx="minor">
+            <a:schemeClr val="tx1"/>
+          </a:fontRef>
+        </p:style>
+      </p:cxnSp>
+      <p:cxnSp>
+        <p:nvCxnSpPr>
+          <p:cNvPr id="69" name="Egyenes összekötő 68">
+            <a:extLst>
+              <a:ext uri="{FF2B5EF4-FFF2-40B4-BE49-F238E27FC236}">
+                <a16:creationId xmlns:a16="http://schemas.microsoft.com/office/drawing/2014/main" id="{47BEAAF9-0AD9-4C3A-9B19-701B46A15CE7}"/>
+              </a:ext>
+            </a:extLst>
+          </p:cNvPr>
+          <p:cNvCxnSpPr>
+            <a:cxnSpLocks/>
+            <a:stCxn id="9" idx="0"/>
+            <a:endCxn id="35" idx="4"/>
+          </p:cNvCxnSpPr>
+          <p:nvPr/>
+        </p:nvCxnSpPr>
+        <p:spPr>
+          <a:xfrm flipH="1" flipV="1">
+            <a:off x="9860334" y="1755408"/>
+            <a:ext cx="1601825" cy="1240859"/>
+          </a:xfrm>
+          <a:prstGeom prst="line">
+            <a:avLst/>
+          </a:prstGeom>
+          <a:ln w="28575"/>
+        </p:spPr>
+        <p:style>
+          <a:lnRef idx="1">
+            <a:schemeClr val="dk1"/>
+          </a:lnRef>
+          <a:fillRef idx="0">
+            <a:schemeClr val="dk1"/>
+          </a:fillRef>
+          <a:effectRef idx="0">
+            <a:schemeClr val="dk1"/>
+          </a:effectRef>
+          <a:fontRef idx="minor">
+            <a:schemeClr val="tx1"/>
+          </a:fontRef>
+        </p:style>
+      </p:cxnSp>
+      <p:cxnSp>
+        <p:nvCxnSpPr>
+          <p:cNvPr id="73" name="Egyenes összekötő 72">
+            <a:extLst>
+              <a:ext uri="{FF2B5EF4-FFF2-40B4-BE49-F238E27FC236}">
+                <a16:creationId xmlns:a16="http://schemas.microsoft.com/office/drawing/2014/main" id="{A59F0287-119C-455F-B919-4E9CD92A0F51}"/>
+              </a:ext>
+            </a:extLst>
+          </p:cNvPr>
+          <p:cNvCxnSpPr>
+            <a:cxnSpLocks/>
+            <a:stCxn id="9" idx="0"/>
+            <a:endCxn id="28" idx="4"/>
+          </p:cNvCxnSpPr>
+          <p:nvPr/>
+        </p:nvCxnSpPr>
+        <p:spPr>
+          <a:xfrm flipH="1" flipV="1">
+            <a:off x="11381590" y="2398444"/>
+            <a:ext cx="80569" cy="597823"/>
+          </a:xfrm>
+          <a:prstGeom prst="line">
+            <a:avLst/>
+          </a:prstGeom>
+          <a:ln w="28575"/>
+        </p:spPr>
+        <p:style>
+          <a:lnRef idx="1">
+            <a:schemeClr val="dk1"/>
+          </a:lnRef>
+          <a:fillRef idx="0">
+            <a:schemeClr val="dk1"/>
+          </a:fillRef>
+          <a:effectRef idx="0">
+            <a:schemeClr val="dk1"/>
+          </a:effectRef>
+          <a:fontRef idx="minor">
+            <a:schemeClr val="tx1"/>
+          </a:fontRef>
+        </p:style>
+      </p:cxnSp>
+      <p:cxnSp>
+        <p:nvCxnSpPr>
+          <p:cNvPr id="76" name="Egyenes összekötő 75">
+            <a:extLst>
+              <a:ext uri="{FF2B5EF4-FFF2-40B4-BE49-F238E27FC236}">
+                <a16:creationId xmlns:a16="http://schemas.microsoft.com/office/drawing/2014/main" id="{5FFE085F-E07B-4E16-B971-94EACB46D115}"/>
+              </a:ext>
+            </a:extLst>
+          </p:cNvPr>
+          <p:cNvCxnSpPr>
+            <a:cxnSpLocks/>
+            <a:stCxn id="9" idx="2"/>
+            <a:endCxn id="29" idx="7"/>
+          </p:cNvCxnSpPr>
+          <p:nvPr/>
+        </p:nvCxnSpPr>
+        <p:spPr>
+          <a:xfrm flipH="1">
+            <a:off x="10543875" y="3617052"/>
+            <a:ext cx="918284" cy="290108"/>
+          </a:xfrm>
+          <a:prstGeom prst="line">
+            <a:avLst/>
+          </a:prstGeom>
+          <a:ln w="28575"/>
+        </p:spPr>
+        <p:style>
+          <a:lnRef idx="1">
+            <a:schemeClr val="dk1"/>
+          </a:lnRef>
+          <a:fillRef idx="0">
+            <a:schemeClr val="dk1"/>
+          </a:fillRef>
+          <a:effectRef idx="0">
+            <a:schemeClr val="dk1"/>
+          </a:effectRef>
+          <a:fontRef idx="minor">
+            <a:schemeClr val="tx1"/>
+          </a:fontRef>
+        </p:style>
+      </p:cxnSp>
+      <p:cxnSp>
+        <p:nvCxnSpPr>
+          <p:cNvPr id="79" name="Egyenes összekötő 78">
+            <a:extLst>
+              <a:ext uri="{FF2B5EF4-FFF2-40B4-BE49-F238E27FC236}">
+                <a16:creationId xmlns:a16="http://schemas.microsoft.com/office/drawing/2014/main" id="{ECEA4919-B1AC-44FF-9876-FE24D443B0FC}"/>
+              </a:ext>
+            </a:extLst>
+          </p:cNvPr>
+          <p:cNvCxnSpPr>
+            <a:cxnSpLocks/>
+            <a:stCxn id="30" idx="0"/>
+            <a:endCxn id="9" idx="2"/>
+          </p:cNvCxnSpPr>
+          <p:nvPr/>
+        </p:nvCxnSpPr>
+        <p:spPr>
+          <a:xfrm flipH="1" flipV="1">
+            <a:off x="11462159" y="3617052"/>
+            <a:ext cx="136867" cy="1213081"/>
+          </a:xfrm>
+          <a:prstGeom prst="line">
+            <a:avLst/>
+          </a:prstGeom>
+          <a:ln w="28575"/>
+        </p:spPr>
+        <p:style>
+          <a:lnRef idx="1">
+            <a:schemeClr val="dk1"/>
+          </a:lnRef>
+          <a:fillRef idx="0">
+            <a:schemeClr val="dk1"/>
+          </a:fillRef>
+          <a:effectRef idx="0">
+            <a:schemeClr val="dk1"/>
+          </a:effectRef>
+          <a:fontRef idx="minor">
+            <a:schemeClr val="tx1"/>
+          </a:fontRef>
+        </p:style>
+      </p:cxnSp>
+      <p:cxnSp>
+        <p:nvCxnSpPr>
+          <p:cNvPr id="82" name="Egyenes összekötő 81">
+            <a:extLst>
+              <a:ext uri="{FF2B5EF4-FFF2-40B4-BE49-F238E27FC236}">
+                <a16:creationId xmlns:a16="http://schemas.microsoft.com/office/drawing/2014/main" id="{0423707D-23E6-4CFE-8B37-390C98DD28F0}"/>
+              </a:ext>
+            </a:extLst>
+          </p:cNvPr>
+          <p:cNvCxnSpPr>
+            <a:cxnSpLocks/>
+            <a:stCxn id="31" idx="7"/>
+            <a:endCxn id="9" idx="2"/>
+          </p:cNvCxnSpPr>
+          <p:nvPr/>
+        </p:nvCxnSpPr>
+        <p:spPr>
+          <a:xfrm flipV="1">
+            <a:off x="10229247" y="3617052"/>
+            <a:ext cx="1232912" cy="1474988"/>
+          </a:xfrm>
+          <a:prstGeom prst="line">
+            <a:avLst/>
+          </a:prstGeom>
+          <a:ln w="28575"/>
+        </p:spPr>
+        <p:style>
+          <a:lnRef idx="1">
+            <a:schemeClr val="dk1"/>
+          </a:lnRef>
+          <a:fillRef idx="0">
+            <a:schemeClr val="dk1"/>
+          </a:fillRef>
+          <a:effectRef idx="0">
+            <a:schemeClr val="dk1"/>
+          </a:effectRef>
+          <a:fontRef idx="minor">
+            <a:schemeClr val="tx1"/>
+          </a:fontRef>
+        </p:style>
+      </p:cxnSp>
+      <p:cxnSp>
+        <p:nvCxnSpPr>
+          <p:cNvPr id="86" name="Egyenes összekötő 85">
+            <a:extLst>
+              <a:ext uri="{FF2B5EF4-FFF2-40B4-BE49-F238E27FC236}">
+                <a16:creationId xmlns:a16="http://schemas.microsoft.com/office/drawing/2014/main" id="{6CE435A0-D244-40DD-BAC1-3069ABAF117C}"/>
+              </a:ext>
+            </a:extLst>
+          </p:cNvPr>
+          <p:cNvCxnSpPr>
+            <a:cxnSpLocks/>
+            <a:stCxn id="32" idx="0"/>
+            <a:endCxn id="9" idx="2"/>
+          </p:cNvCxnSpPr>
+          <p:nvPr/>
+        </p:nvCxnSpPr>
+        <p:spPr>
+          <a:xfrm flipV="1">
+            <a:off x="10661246" y="3617052"/>
+            <a:ext cx="800913" cy="1933846"/>
+          </a:xfrm>
+          <a:prstGeom prst="line">
+            <a:avLst/>
+          </a:prstGeom>
+          <a:ln w="28575"/>
+        </p:spPr>
+        <p:style>
+          <a:lnRef idx="1">
+            <a:schemeClr val="dk1"/>
+          </a:lnRef>
+          <a:fillRef idx="0">
+            <a:schemeClr val="dk1"/>
+          </a:fillRef>
+          <a:effectRef idx="0">
+            <a:schemeClr val="dk1"/>
+          </a:effectRef>
+          <a:fontRef idx="minor">
+            <a:schemeClr val="tx1"/>
+          </a:fontRef>
+        </p:style>
+      </p:cxnSp>
+      <p:cxnSp>
+        <p:nvCxnSpPr>
+          <p:cNvPr id="91" name="Egyenes összekötő 90">
+            <a:extLst>
+              <a:ext uri="{FF2B5EF4-FFF2-40B4-BE49-F238E27FC236}">
+                <a16:creationId xmlns:a16="http://schemas.microsoft.com/office/drawing/2014/main" id="{ED190E87-7F9A-4BBC-8B6D-9EE3C76113AD}"/>
+              </a:ext>
+            </a:extLst>
+          </p:cNvPr>
+          <p:cNvCxnSpPr>
+            <a:cxnSpLocks/>
+            <a:stCxn id="26" idx="0"/>
+            <a:endCxn id="8" idx="2"/>
+          </p:cNvCxnSpPr>
+          <p:nvPr/>
+        </p:nvCxnSpPr>
+        <p:spPr>
+          <a:xfrm flipV="1">
+            <a:off x="2840555" y="2189168"/>
+            <a:ext cx="659050" cy="602545"/>
+          </a:xfrm>
+          <a:prstGeom prst="line">
+            <a:avLst/>
+          </a:prstGeom>
+          <a:ln w="28575"/>
+        </p:spPr>
+        <p:style>
+          <a:lnRef idx="1">
+            <a:schemeClr val="dk1"/>
+          </a:lnRef>
+          <a:fillRef idx="0">
+            <a:schemeClr val="dk1"/>
+          </a:fillRef>
+          <a:effectRef idx="0">
+            <a:schemeClr val="dk1"/>
+          </a:effectRef>
+          <a:fontRef idx="minor">
+            <a:schemeClr val="tx1"/>
+          </a:fontRef>
+        </p:style>
+      </p:cxnSp>
+      <p:cxnSp>
+        <p:nvCxnSpPr>
+          <p:cNvPr id="97" name="Egyenes összekötő 96">
+            <a:extLst>
+              <a:ext uri="{FF2B5EF4-FFF2-40B4-BE49-F238E27FC236}">
+                <a16:creationId xmlns:a16="http://schemas.microsoft.com/office/drawing/2014/main" id="{552A0DAA-ED65-4145-9391-0F404ADE50EF}"/>
+              </a:ext>
+            </a:extLst>
+          </p:cNvPr>
+          <p:cNvCxnSpPr>
+            <a:cxnSpLocks/>
+            <a:stCxn id="33" idx="2"/>
+            <a:endCxn id="3" idx="3"/>
+          </p:cNvCxnSpPr>
+          <p:nvPr/>
+        </p:nvCxnSpPr>
+        <p:spPr>
+          <a:xfrm flipH="1" flipV="1">
+            <a:off x="1840682" y="472572"/>
+            <a:ext cx="542109" cy="3100"/>
+          </a:xfrm>
+          <a:prstGeom prst="line">
+            <a:avLst/>
+          </a:prstGeom>
+          <a:ln w="28575"/>
+        </p:spPr>
+        <p:style>
+          <a:lnRef idx="1">
+            <a:schemeClr val="dk1"/>
+          </a:lnRef>
+          <a:fillRef idx="0">
+            <a:schemeClr val="dk1"/>
+          </a:fillRef>
+          <a:effectRef idx="0">
+            <a:schemeClr val="dk1"/>
+          </a:effectRef>
+          <a:fontRef idx="minor">
+            <a:schemeClr val="tx1"/>
+          </a:fontRef>
+        </p:style>
+      </p:cxnSp>
+      <p:sp>
+        <p:nvSpPr>
+          <p:cNvPr id="103" name="Ellipszis 102">
+            <a:extLst>
+              <a:ext uri="{FF2B5EF4-FFF2-40B4-BE49-F238E27FC236}">
+                <a16:creationId xmlns:a16="http://schemas.microsoft.com/office/drawing/2014/main" id="{5D929B12-5D11-4441-A983-BB58F490764F}"/>
               </a:ext>
             </a:extLst>
           </p:cNvPr>
@@ -4769,8 +5261,8 @@
         </p:nvSpPr>
         <p:spPr>
           <a:xfrm>
-            <a:off x="4239089" y="4765781"/>
-            <a:ext cx="1299814" cy="662952"/>
+            <a:off x="3616826" y="5137053"/>
+            <a:ext cx="1788617" cy="804178"/>
           </a:xfrm>
           <a:prstGeom prst="ellipse">
             <a:avLst/>
@@ -4801,8 +5293,8 @@
           <a:p>
             <a:pPr algn="ctr"/>
             <a:r>
-              <a:rPr lang="hu-HU" i="1" dirty="0"/>
-              <a:t>scname</a:t>
+              <a:rPr lang="hu-HU" dirty="0"/>
+              <a:t>description</a:t>
             </a:r>
           </a:p>
           <a:p>
@@ -4813,815 +5305,26 @@
           </a:p>
         </p:txBody>
       </p:sp>
-      <p:sp>
-        <p:nvSpPr>
-          <p:cNvPr id="45" name="Ellipszis 44">
-            <a:extLst>
-              <a:ext uri="{FF2B5EF4-FFF2-40B4-BE49-F238E27FC236}">
-                <a16:creationId xmlns:a16="http://schemas.microsoft.com/office/drawing/2014/main" id="{0BAF4650-BFC5-40EB-B1C8-9C9E949D8EE9}"/>
-              </a:ext>
-            </a:extLst>
-          </p:cNvPr>
-          <p:cNvSpPr/>
-          <p:nvPr/>
-        </p:nvSpPr>
-        <p:spPr>
-          <a:xfrm>
-            <a:off x="5638343" y="5282351"/>
-            <a:ext cx="1185949" cy="537095"/>
-          </a:xfrm>
-          <a:prstGeom prst="ellipse">
-            <a:avLst/>
-          </a:prstGeom>
-          <a:ln w="19050">
-            <a:solidFill>
-              <a:schemeClr val="tx1"/>
-            </a:solidFill>
-          </a:ln>
-        </p:spPr>
-        <p:style>
-          <a:lnRef idx="2">
-            <a:schemeClr val="accent6"/>
-          </a:lnRef>
-          <a:fillRef idx="1">
-            <a:schemeClr val="lt1"/>
-          </a:fillRef>
-          <a:effectRef idx="0">
-            <a:schemeClr val="accent6"/>
-          </a:effectRef>
-          <a:fontRef idx="minor">
-            <a:schemeClr val="dk1"/>
-          </a:fontRef>
-        </p:style>
-        <p:txBody>
-          <a:bodyPr rtlCol="0" anchor="ctr"/>
-          <a:lstStyle/>
-          <a:p>
-            <a:pPr algn="ctr"/>
-            <a:r>
-              <a:rPr lang="hu-HU" dirty="0"/>
-              <a:t>cost</a:t>
-            </a:r>
-          </a:p>
-          <a:p>
-            <a:pPr algn="ctr"/>
-            <a:endParaRPr lang="hu-HU" dirty="0">
-              <a:noFill/>
-            </a:endParaRPr>
-          </a:p>
-        </p:txBody>
-      </p:sp>
-      <p:sp>
-        <p:nvSpPr>
-          <p:cNvPr id="46" name="Ellipszis 45">
-            <a:extLst>
-              <a:ext uri="{FF2B5EF4-FFF2-40B4-BE49-F238E27FC236}">
-                <a16:creationId xmlns:a16="http://schemas.microsoft.com/office/drawing/2014/main" id="{0DAF7D21-AFF9-4327-97DF-2CDCE324C6B8}"/>
-              </a:ext>
-            </a:extLst>
-          </p:cNvPr>
-          <p:cNvSpPr/>
-          <p:nvPr/>
-        </p:nvSpPr>
-        <p:spPr>
-          <a:xfrm>
-            <a:off x="6545823" y="4687125"/>
-            <a:ext cx="1185949" cy="537095"/>
-          </a:xfrm>
-          <a:prstGeom prst="ellipse">
-            <a:avLst/>
-          </a:prstGeom>
-          <a:ln w="19050">
-            <a:solidFill>
-              <a:schemeClr val="tx1"/>
-            </a:solidFill>
-          </a:ln>
-        </p:spPr>
-        <p:style>
-          <a:lnRef idx="2">
-            <a:schemeClr val="accent6"/>
-          </a:lnRef>
-          <a:fillRef idx="1">
-            <a:schemeClr val="lt1"/>
-          </a:fillRef>
-          <a:effectRef idx="0">
-            <a:schemeClr val="accent6"/>
-          </a:effectRef>
-          <a:fontRef idx="minor">
-            <a:schemeClr val="dk1"/>
-          </a:fontRef>
-        </p:style>
-        <p:txBody>
-          <a:bodyPr rtlCol="0" anchor="ctr"/>
-          <a:lstStyle/>
-          <a:p>
-            <a:pPr algn="ctr"/>
-            <a:r>
-              <a:rPr lang="hu-HU" i="1" dirty="0"/>
-              <a:t>uid</a:t>
-            </a:r>
-          </a:p>
-          <a:p>
-            <a:pPr algn="ctr"/>
-            <a:endParaRPr lang="hu-HU" dirty="0">
-              <a:noFill/>
-            </a:endParaRPr>
-          </a:p>
-        </p:txBody>
-      </p:sp>
       <p:cxnSp>
         <p:nvCxnSpPr>
-          <p:cNvPr id="23" name="Egyenes összekötő 22">
-            <a:extLst>
-              <a:ext uri="{FF2B5EF4-FFF2-40B4-BE49-F238E27FC236}">
-                <a16:creationId xmlns:a16="http://schemas.microsoft.com/office/drawing/2014/main" id="{44906F84-BA1C-465D-BB56-DA4BDF94A86B}"/>
+          <p:cNvPr id="104" name="Egyenes összekötő 103">
+            <a:extLst>
+              <a:ext uri="{FF2B5EF4-FFF2-40B4-BE49-F238E27FC236}">
+                <a16:creationId xmlns:a16="http://schemas.microsoft.com/office/drawing/2014/main" id="{FE814D27-0B83-4EC2-A201-058510052FB1}"/>
               </a:ext>
             </a:extLst>
           </p:cNvPr>
           <p:cNvCxnSpPr>
             <a:cxnSpLocks/>
-            <a:stCxn id="39" idx="7"/>
+            <a:stCxn id="103" idx="0"/>
             <a:endCxn id="7" idx="2"/>
           </p:cNvCxnSpPr>
           <p:nvPr/>
         </p:nvCxnSpPr>
         <p:spPr>
           <a:xfrm flipV="1">
-            <a:off x="4465422" y="3617051"/>
-            <a:ext cx="1226508" cy="249078"/>
-          </a:xfrm>
-          <a:prstGeom prst="line">
-            <a:avLst/>
-          </a:prstGeom>
-          <a:ln w="28575"/>
-        </p:spPr>
-        <p:style>
-          <a:lnRef idx="1">
-            <a:schemeClr val="dk1"/>
-          </a:lnRef>
-          <a:fillRef idx="0">
-            <a:schemeClr val="dk1"/>
-          </a:fillRef>
-          <a:effectRef idx="0">
-            <a:schemeClr val="dk1"/>
-          </a:effectRef>
-          <a:fontRef idx="minor">
-            <a:schemeClr val="tx1"/>
-          </a:fontRef>
-        </p:style>
-      </p:cxnSp>
-      <p:cxnSp>
-        <p:nvCxnSpPr>
-          <p:cNvPr id="49" name="Egyenes összekötő 48">
-            <a:extLst>
-              <a:ext uri="{FF2B5EF4-FFF2-40B4-BE49-F238E27FC236}">
-                <a16:creationId xmlns:a16="http://schemas.microsoft.com/office/drawing/2014/main" id="{B7D83D72-44FF-43E3-A0CE-40B44999B590}"/>
-              </a:ext>
-            </a:extLst>
-          </p:cNvPr>
-          <p:cNvCxnSpPr>
-            <a:cxnSpLocks/>
-            <a:stCxn id="42" idx="1"/>
-            <a:endCxn id="7" idx="2"/>
-          </p:cNvCxnSpPr>
-          <p:nvPr/>
-        </p:nvCxnSpPr>
-        <p:spPr>
-          <a:xfrm flipH="1" flipV="1">
-            <a:off x="5691930" y="3617051"/>
-            <a:ext cx="1078776" cy="209540"/>
-          </a:xfrm>
-          <a:prstGeom prst="line">
-            <a:avLst/>
-          </a:prstGeom>
-          <a:ln w="28575"/>
-        </p:spPr>
-        <p:style>
-          <a:lnRef idx="1">
-            <a:schemeClr val="dk1"/>
-          </a:lnRef>
-          <a:fillRef idx="0">
-            <a:schemeClr val="dk1"/>
-          </a:fillRef>
-          <a:effectRef idx="0">
-            <a:schemeClr val="dk1"/>
-          </a:effectRef>
-          <a:fontRef idx="minor">
-            <a:schemeClr val="tx1"/>
-          </a:fontRef>
-        </p:style>
-      </p:cxnSp>
-      <p:cxnSp>
-        <p:nvCxnSpPr>
-          <p:cNvPr id="50" name="Egyenes összekötő 49">
-            <a:extLst>
-              <a:ext uri="{FF2B5EF4-FFF2-40B4-BE49-F238E27FC236}">
-                <a16:creationId xmlns:a16="http://schemas.microsoft.com/office/drawing/2014/main" id="{76C412A5-DCCE-46A5-B442-9C52A178FD2D}"/>
-              </a:ext>
-            </a:extLst>
-          </p:cNvPr>
-          <p:cNvCxnSpPr>
-            <a:cxnSpLocks/>
-            <a:stCxn id="43" idx="7"/>
-            <a:endCxn id="7" idx="2"/>
-          </p:cNvCxnSpPr>
-          <p:nvPr/>
-        </p:nvCxnSpPr>
-        <p:spPr>
-          <a:xfrm flipV="1">
-            <a:off x="5348550" y="3617051"/>
-            <a:ext cx="343380" cy="1245817"/>
-          </a:xfrm>
-          <a:prstGeom prst="line">
-            <a:avLst/>
-          </a:prstGeom>
-          <a:ln w="28575"/>
-        </p:spPr>
-        <p:style>
-          <a:lnRef idx="1">
-            <a:schemeClr val="dk1"/>
-          </a:lnRef>
-          <a:fillRef idx="0">
-            <a:schemeClr val="dk1"/>
-          </a:fillRef>
-          <a:effectRef idx="0">
-            <a:schemeClr val="dk1"/>
-          </a:effectRef>
-          <a:fontRef idx="minor">
-            <a:schemeClr val="tx1"/>
-          </a:fontRef>
-        </p:style>
-      </p:cxnSp>
-      <p:cxnSp>
-        <p:nvCxnSpPr>
-          <p:cNvPr id="52" name="Egyenes összekötő 51">
-            <a:extLst>
-              <a:ext uri="{FF2B5EF4-FFF2-40B4-BE49-F238E27FC236}">
-                <a16:creationId xmlns:a16="http://schemas.microsoft.com/office/drawing/2014/main" id="{FD269786-F050-4B38-988A-26BBB0C013BB}"/>
-              </a:ext>
-            </a:extLst>
-          </p:cNvPr>
-          <p:cNvCxnSpPr>
-            <a:cxnSpLocks/>
-            <a:stCxn id="46" idx="1"/>
-            <a:endCxn id="7" idx="2"/>
-          </p:cNvCxnSpPr>
-          <p:nvPr/>
-        </p:nvCxnSpPr>
-        <p:spPr>
-          <a:xfrm flipH="1" flipV="1">
-            <a:off x="5691930" y="3617051"/>
-            <a:ext cx="1027571" cy="1148730"/>
-          </a:xfrm>
-          <a:prstGeom prst="line">
-            <a:avLst/>
-          </a:prstGeom>
-          <a:ln w="28575"/>
-        </p:spPr>
-        <p:style>
-          <a:lnRef idx="1">
-            <a:schemeClr val="dk1"/>
-          </a:lnRef>
-          <a:fillRef idx="0">
-            <a:schemeClr val="dk1"/>
-          </a:fillRef>
-          <a:effectRef idx="0">
-            <a:schemeClr val="dk1"/>
-          </a:effectRef>
-          <a:fontRef idx="minor">
-            <a:schemeClr val="tx1"/>
-          </a:fontRef>
-        </p:style>
-      </p:cxnSp>
-      <p:cxnSp>
-        <p:nvCxnSpPr>
-          <p:cNvPr id="55" name="Egyenes összekötő 54">
-            <a:extLst>
-              <a:ext uri="{FF2B5EF4-FFF2-40B4-BE49-F238E27FC236}">
-                <a16:creationId xmlns:a16="http://schemas.microsoft.com/office/drawing/2014/main" id="{9ECA5B28-6818-4703-B553-DB373F0A11E4}"/>
-              </a:ext>
-            </a:extLst>
-          </p:cNvPr>
-          <p:cNvCxnSpPr>
-            <a:cxnSpLocks/>
-            <a:stCxn id="45" idx="0"/>
-            <a:endCxn id="7" idx="2"/>
-          </p:cNvCxnSpPr>
-          <p:nvPr/>
-        </p:nvCxnSpPr>
-        <p:spPr>
-          <a:xfrm flipH="1" flipV="1">
-            <a:off x="5691930" y="3617051"/>
-            <a:ext cx="539388" cy="1665300"/>
-          </a:xfrm>
-          <a:prstGeom prst="line">
-            <a:avLst/>
-          </a:prstGeom>
-          <a:ln w="28575"/>
-        </p:spPr>
-        <p:style>
-          <a:lnRef idx="1">
-            <a:schemeClr val="dk1"/>
-          </a:lnRef>
-          <a:fillRef idx="0">
-            <a:schemeClr val="dk1"/>
-          </a:fillRef>
-          <a:effectRef idx="0">
-            <a:schemeClr val="dk1"/>
-          </a:effectRef>
-          <a:fontRef idx="minor">
-            <a:schemeClr val="tx1"/>
-          </a:fontRef>
-        </p:style>
-      </p:cxnSp>
-      <p:cxnSp>
-        <p:nvCxnSpPr>
-          <p:cNvPr id="66" name="Egyenes összekötő 65">
-            <a:extLst>
-              <a:ext uri="{FF2B5EF4-FFF2-40B4-BE49-F238E27FC236}">
-                <a16:creationId xmlns:a16="http://schemas.microsoft.com/office/drawing/2014/main" id="{FADA9F5D-CFC4-4061-AB35-99A877483809}"/>
-              </a:ext>
-            </a:extLst>
-          </p:cNvPr>
-          <p:cNvCxnSpPr>
-            <a:cxnSpLocks/>
-            <a:stCxn id="9" idx="0"/>
-            <a:endCxn id="14" idx="5"/>
-          </p:cNvCxnSpPr>
-          <p:nvPr/>
-        </p:nvCxnSpPr>
-        <p:spPr>
-          <a:xfrm flipH="1" flipV="1">
-            <a:off x="10255795" y="2651198"/>
-            <a:ext cx="1206364" cy="345069"/>
-          </a:xfrm>
-          <a:prstGeom prst="line">
-            <a:avLst/>
-          </a:prstGeom>
-          <a:ln w="28575"/>
-        </p:spPr>
-        <p:style>
-          <a:lnRef idx="1">
-            <a:schemeClr val="dk1"/>
-          </a:lnRef>
-          <a:fillRef idx="0">
-            <a:schemeClr val="dk1"/>
-          </a:fillRef>
-          <a:effectRef idx="0">
-            <a:schemeClr val="dk1"/>
-          </a:effectRef>
-          <a:fontRef idx="minor">
-            <a:schemeClr val="tx1"/>
-          </a:fontRef>
-        </p:style>
-      </p:cxnSp>
-      <p:cxnSp>
-        <p:nvCxnSpPr>
-          <p:cNvPr id="69" name="Egyenes összekötő 68">
-            <a:extLst>
-              <a:ext uri="{FF2B5EF4-FFF2-40B4-BE49-F238E27FC236}">
-                <a16:creationId xmlns:a16="http://schemas.microsoft.com/office/drawing/2014/main" id="{47BEAAF9-0AD9-4C3A-9B19-701B46A15CE7}"/>
-              </a:ext>
-            </a:extLst>
-          </p:cNvPr>
-          <p:cNvCxnSpPr>
-            <a:cxnSpLocks/>
-            <a:stCxn id="9" idx="0"/>
-            <a:endCxn id="35" idx="4"/>
-          </p:cNvCxnSpPr>
-          <p:nvPr/>
-        </p:nvCxnSpPr>
-        <p:spPr>
-          <a:xfrm flipH="1" flipV="1">
-            <a:off x="9860334" y="1755408"/>
-            <a:ext cx="1601825" cy="1240859"/>
-          </a:xfrm>
-          <a:prstGeom prst="line">
-            <a:avLst/>
-          </a:prstGeom>
-          <a:ln w="28575"/>
-        </p:spPr>
-        <p:style>
-          <a:lnRef idx="1">
-            <a:schemeClr val="dk1"/>
-          </a:lnRef>
-          <a:fillRef idx="0">
-            <a:schemeClr val="dk1"/>
-          </a:fillRef>
-          <a:effectRef idx="0">
-            <a:schemeClr val="dk1"/>
-          </a:effectRef>
-          <a:fontRef idx="minor">
-            <a:schemeClr val="tx1"/>
-          </a:fontRef>
-        </p:style>
-      </p:cxnSp>
-      <p:cxnSp>
-        <p:nvCxnSpPr>
-          <p:cNvPr id="73" name="Egyenes összekötő 72">
-            <a:extLst>
-              <a:ext uri="{FF2B5EF4-FFF2-40B4-BE49-F238E27FC236}">
-                <a16:creationId xmlns:a16="http://schemas.microsoft.com/office/drawing/2014/main" id="{A59F0287-119C-455F-B919-4E9CD92A0F51}"/>
-              </a:ext>
-            </a:extLst>
-          </p:cNvPr>
-          <p:cNvCxnSpPr>
-            <a:cxnSpLocks/>
-            <a:stCxn id="9" idx="0"/>
-            <a:endCxn id="28" idx="4"/>
-          </p:cNvCxnSpPr>
-          <p:nvPr/>
-        </p:nvCxnSpPr>
-        <p:spPr>
-          <a:xfrm flipH="1" flipV="1">
-            <a:off x="11381590" y="2398444"/>
-            <a:ext cx="80569" cy="597823"/>
-          </a:xfrm>
-          <a:prstGeom prst="line">
-            <a:avLst/>
-          </a:prstGeom>
-          <a:ln w="28575"/>
-        </p:spPr>
-        <p:style>
-          <a:lnRef idx="1">
-            <a:schemeClr val="dk1"/>
-          </a:lnRef>
-          <a:fillRef idx="0">
-            <a:schemeClr val="dk1"/>
-          </a:fillRef>
-          <a:effectRef idx="0">
-            <a:schemeClr val="dk1"/>
-          </a:effectRef>
-          <a:fontRef idx="minor">
-            <a:schemeClr val="tx1"/>
-          </a:fontRef>
-        </p:style>
-      </p:cxnSp>
-      <p:cxnSp>
-        <p:nvCxnSpPr>
-          <p:cNvPr id="76" name="Egyenes összekötő 75">
-            <a:extLst>
-              <a:ext uri="{FF2B5EF4-FFF2-40B4-BE49-F238E27FC236}">
-                <a16:creationId xmlns:a16="http://schemas.microsoft.com/office/drawing/2014/main" id="{5FFE085F-E07B-4E16-B971-94EACB46D115}"/>
-              </a:ext>
-            </a:extLst>
-          </p:cNvPr>
-          <p:cNvCxnSpPr>
-            <a:cxnSpLocks/>
-            <a:stCxn id="9" idx="2"/>
-            <a:endCxn id="29" idx="7"/>
-          </p:cNvCxnSpPr>
-          <p:nvPr/>
-        </p:nvCxnSpPr>
-        <p:spPr>
-          <a:xfrm flipH="1">
-            <a:off x="10543875" y="3617052"/>
-            <a:ext cx="918284" cy="290108"/>
-          </a:xfrm>
-          <a:prstGeom prst="line">
-            <a:avLst/>
-          </a:prstGeom>
-          <a:ln w="28575"/>
-        </p:spPr>
-        <p:style>
-          <a:lnRef idx="1">
-            <a:schemeClr val="dk1"/>
-          </a:lnRef>
-          <a:fillRef idx="0">
-            <a:schemeClr val="dk1"/>
-          </a:fillRef>
-          <a:effectRef idx="0">
-            <a:schemeClr val="dk1"/>
-          </a:effectRef>
-          <a:fontRef idx="minor">
-            <a:schemeClr val="tx1"/>
-          </a:fontRef>
-        </p:style>
-      </p:cxnSp>
-      <p:cxnSp>
-        <p:nvCxnSpPr>
-          <p:cNvPr id="79" name="Egyenes összekötő 78">
-            <a:extLst>
-              <a:ext uri="{FF2B5EF4-FFF2-40B4-BE49-F238E27FC236}">
-                <a16:creationId xmlns:a16="http://schemas.microsoft.com/office/drawing/2014/main" id="{ECEA4919-B1AC-44FF-9876-FE24D443B0FC}"/>
-              </a:ext>
-            </a:extLst>
-          </p:cNvPr>
-          <p:cNvCxnSpPr>
-            <a:cxnSpLocks/>
-            <a:stCxn id="30" idx="0"/>
-            <a:endCxn id="9" idx="2"/>
-          </p:cNvCxnSpPr>
-          <p:nvPr/>
-        </p:nvCxnSpPr>
-        <p:spPr>
-          <a:xfrm flipH="1" flipV="1">
-            <a:off x="11462159" y="3617052"/>
-            <a:ext cx="136867" cy="1213081"/>
-          </a:xfrm>
-          <a:prstGeom prst="line">
-            <a:avLst/>
-          </a:prstGeom>
-          <a:ln w="28575"/>
-        </p:spPr>
-        <p:style>
-          <a:lnRef idx="1">
-            <a:schemeClr val="dk1"/>
-          </a:lnRef>
-          <a:fillRef idx="0">
-            <a:schemeClr val="dk1"/>
-          </a:fillRef>
-          <a:effectRef idx="0">
-            <a:schemeClr val="dk1"/>
-          </a:effectRef>
-          <a:fontRef idx="minor">
-            <a:schemeClr val="tx1"/>
-          </a:fontRef>
-        </p:style>
-      </p:cxnSp>
-      <p:cxnSp>
-        <p:nvCxnSpPr>
-          <p:cNvPr id="82" name="Egyenes összekötő 81">
-            <a:extLst>
-              <a:ext uri="{FF2B5EF4-FFF2-40B4-BE49-F238E27FC236}">
-                <a16:creationId xmlns:a16="http://schemas.microsoft.com/office/drawing/2014/main" id="{0423707D-23E6-4CFE-8B37-390C98DD28F0}"/>
-              </a:ext>
-            </a:extLst>
-          </p:cNvPr>
-          <p:cNvCxnSpPr>
-            <a:cxnSpLocks/>
-            <a:stCxn id="31" idx="7"/>
-            <a:endCxn id="9" idx="2"/>
-          </p:cNvCxnSpPr>
-          <p:nvPr/>
-        </p:nvCxnSpPr>
-        <p:spPr>
-          <a:xfrm flipV="1">
-            <a:off x="10229247" y="3617052"/>
-            <a:ext cx="1232912" cy="1474988"/>
-          </a:xfrm>
-          <a:prstGeom prst="line">
-            <a:avLst/>
-          </a:prstGeom>
-          <a:ln w="28575"/>
-        </p:spPr>
-        <p:style>
-          <a:lnRef idx="1">
-            <a:schemeClr val="dk1"/>
-          </a:lnRef>
-          <a:fillRef idx="0">
-            <a:schemeClr val="dk1"/>
-          </a:fillRef>
-          <a:effectRef idx="0">
-            <a:schemeClr val="dk1"/>
-          </a:effectRef>
-          <a:fontRef idx="minor">
-            <a:schemeClr val="tx1"/>
-          </a:fontRef>
-        </p:style>
-      </p:cxnSp>
-      <p:cxnSp>
-        <p:nvCxnSpPr>
-          <p:cNvPr id="86" name="Egyenes összekötő 85">
-            <a:extLst>
-              <a:ext uri="{FF2B5EF4-FFF2-40B4-BE49-F238E27FC236}">
-                <a16:creationId xmlns:a16="http://schemas.microsoft.com/office/drawing/2014/main" id="{6CE435A0-D244-40DD-BAC1-3069ABAF117C}"/>
-              </a:ext>
-            </a:extLst>
-          </p:cNvPr>
-          <p:cNvCxnSpPr>
-            <a:cxnSpLocks/>
-            <a:stCxn id="32" idx="0"/>
-            <a:endCxn id="9" idx="2"/>
-          </p:cNvCxnSpPr>
-          <p:nvPr/>
-        </p:nvCxnSpPr>
-        <p:spPr>
-          <a:xfrm flipV="1">
-            <a:off x="10661246" y="3617052"/>
-            <a:ext cx="800913" cy="1933846"/>
-          </a:xfrm>
-          <a:prstGeom prst="line">
-            <a:avLst/>
-          </a:prstGeom>
-          <a:ln w="28575"/>
-        </p:spPr>
-        <p:style>
-          <a:lnRef idx="1">
-            <a:schemeClr val="dk1"/>
-          </a:lnRef>
-          <a:fillRef idx="0">
-            <a:schemeClr val="dk1"/>
-          </a:fillRef>
-          <a:effectRef idx="0">
-            <a:schemeClr val="dk1"/>
-          </a:effectRef>
-          <a:fontRef idx="minor">
-            <a:schemeClr val="tx1"/>
-          </a:fontRef>
-        </p:style>
-      </p:cxnSp>
-      <p:cxnSp>
-        <p:nvCxnSpPr>
-          <p:cNvPr id="91" name="Egyenes összekötő 90">
-            <a:extLst>
-              <a:ext uri="{FF2B5EF4-FFF2-40B4-BE49-F238E27FC236}">
-                <a16:creationId xmlns:a16="http://schemas.microsoft.com/office/drawing/2014/main" id="{ED190E87-7F9A-4BBC-8B6D-9EE3C76113AD}"/>
-              </a:ext>
-            </a:extLst>
-          </p:cNvPr>
-          <p:cNvCxnSpPr>
-            <a:cxnSpLocks/>
-            <a:stCxn id="26" idx="7"/>
-            <a:endCxn id="8" idx="2"/>
-          </p:cNvCxnSpPr>
-          <p:nvPr/>
-        </p:nvCxnSpPr>
-        <p:spPr>
-          <a:xfrm flipV="1">
-            <a:off x="2709778" y="2189168"/>
-            <a:ext cx="789827" cy="300188"/>
-          </a:xfrm>
-          <a:prstGeom prst="line">
-            <a:avLst/>
-          </a:prstGeom>
-          <a:ln w="28575"/>
-        </p:spPr>
-        <p:style>
-          <a:lnRef idx="1">
-            <a:schemeClr val="dk1"/>
-          </a:lnRef>
-          <a:fillRef idx="0">
-            <a:schemeClr val="dk1"/>
-          </a:fillRef>
-          <a:effectRef idx="0">
-            <a:schemeClr val="dk1"/>
-          </a:effectRef>
-          <a:fontRef idx="minor">
-            <a:schemeClr val="tx1"/>
-          </a:fontRef>
-        </p:style>
-      </p:cxnSp>
-      <p:cxnSp>
-        <p:nvCxnSpPr>
-          <p:cNvPr id="94" name="Egyenes összekötő 93">
-            <a:extLst>
-              <a:ext uri="{FF2B5EF4-FFF2-40B4-BE49-F238E27FC236}">
-                <a16:creationId xmlns:a16="http://schemas.microsoft.com/office/drawing/2014/main" id="{12E6E939-6ACE-4D49-BBE0-6BDBC8153537}"/>
-              </a:ext>
-            </a:extLst>
-          </p:cNvPr>
-          <p:cNvCxnSpPr>
-            <a:cxnSpLocks/>
-            <a:stCxn id="38" idx="0"/>
-            <a:endCxn id="8" idx="2"/>
-          </p:cNvCxnSpPr>
-          <p:nvPr/>
-        </p:nvCxnSpPr>
-        <p:spPr>
-          <a:xfrm flipH="1" flipV="1">
-            <a:off x="3499605" y="2189168"/>
-            <a:ext cx="344905" cy="451782"/>
-          </a:xfrm>
-          <a:prstGeom prst="line">
-            <a:avLst/>
-          </a:prstGeom>
-          <a:ln w="28575"/>
-        </p:spPr>
-        <p:style>
-          <a:lnRef idx="1">
-            <a:schemeClr val="dk1"/>
-          </a:lnRef>
-          <a:fillRef idx="0">
-            <a:schemeClr val="dk1"/>
-          </a:fillRef>
-          <a:effectRef idx="0">
-            <a:schemeClr val="dk1"/>
-          </a:effectRef>
-          <a:fontRef idx="minor">
-            <a:schemeClr val="tx1"/>
-          </a:fontRef>
-        </p:style>
-      </p:cxnSp>
-      <p:cxnSp>
-        <p:nvCxnSpPr>
-          <p:cNvPr id="97" name="Egyenes összekötő 96">
-            <a:extLst>
-              <a:ext uri="{FF2B5EF4-FFF2-40B4-BE49-F238E27FC236}">
-                <a16:creationId xmlns:a16="http://schemas.microsoft.com/office/drawing/2014/main" id="{552A0DAA-ED65-4145-9391-0F404ADE50EF}"/>
-              </a:ext>
-            </a:extLst>
-          </p:cNvPr>
-          <p:cNvCxnSpPr>
-            <a:cxnSpLocks/>
-            <a:stCxn id="33" idx="2"/>
-            <a:endCxn id="3" idx="3"/>
-          </p:cNvCxnSpPr>
-          <p:nvPr/>
-        </p:nvCxnSpPr>
-        <p:spPr>
-          <a:xfrm flipH="1" flipV="1">
-            <a:off x="1840682" y="472572"/>
-            <a:ext cx="542109" cy="3100"/>
-          </a:xfrm>
-          <a:prstGeom prst="line">
-            <a:avLst/>
-          </a:prstGeom>
-          <a:ln w="28575"/>
-        </p:spPr>
-        <p:style>
-          <a:lnRef idx="1">
-            <a:schemeClr val="dk1"/>
-          </a:lnRef>
-          <a:fillRef idx="0">
-            <a:schemeClr val="dk1"/>
-          </a:fillRef>
-          <a:effectRef idx="0">
-            <a:schemeClr val="dk1"/>
-          </a:effectRef>
-          <a:fontRef idx="minor">
-            <a:schemeClr val="tx1"/>
-          </a:fontRef>
-        </p:style>
-      </p:cxnSp>
-      <p:sp>
-        <p:nvSpPr>
-          <p:cNvPr id="103" name="Ellipszis 102">
-            <a:extLst>
-              <a:ext uri="{FF2B5EF4-FFF2-40B4-BE49-F238E27FC236}">
-                <a16:creationId xmlns:a16="http://schemas.microsoft.com/office/drawing/2014/main" id="{5D929B12-5D11-4441-A983-BB58F490764F}"/>
-              </a:ext>
-            </a:extLst>
-          </p:cNvPr>
-          <p:cNvSpPr/>
-          <p:nvPr/>
-        </p:nvSpPr>
-        <p:spPr>
-          <a:xfrm>
-            <a:off x="2336798" y="4549768"/>
-            <a:ext cx="1788617" cy="804178"/>
-          </a:xfrm>
-          <a:prstGeom prst="ellipse">
-            <a:avLst/>
-          </a:prstGeom>
-          <a:ln w="19050">
-            <a:solidFill>
-              <a:schemeClr val="tx1"/>
-            </a:solidFill>
-          </a:ln>
-        </p:spPr>
-        <p:style>
-          <a:lnRef idx="2">
-            <a:schemeClr val="accent6"/>
-          </a:lnRef>
-          <a:fillRef idx="1">
-            <a:schemeClr val="lt1"/>
-          </a:fillRef>
-          <a:effectRef idx="0">
-            <a:schemeClr val="accent6"/>
-          </a:effectRef>
-          <a:fontRef idx="minor">
-            <a:schemeClr val="dk1"/>
-          </a:fontRef>
-        </p:style>
-        <p:txBody>
-          <a:bodyPr rtlCol="0" anchor="ctr"/>
-          <a:lstStyle/>
-          <a:p>
-            <a:pPr algn="ctr"/>
-            <a:r>
-              <a:rPr lang="hu-HU" dirty="0"/>
-              <a:t>description</a:t>
-            </a:r>
-          </a:p>
-          <a:p>
-            <a:pPr algn="ctr"/>
-            <a:endParaRPr lang="hu-HU" dirty="0">
-              <a:noFill/>
-            </a:endParaRPr>
-          </a:p>
-        </p:txBody>
-      </p:sp>
-      <p:cxnSp>
-        <p:nvCxnSpPr>
-          <p:cNvPr id="104" name="Egyenes összekötő 103">
-            <a:extLst>
-              <a:ext uri="{FF2B5EF4-FFF2-40B4-BE49-F238E27FC236}">
-                <a16:creationId xmlns:a16="http://schemas.microsoft.com/office/drawing/2014/main" id="{FE814D27-0B83-4EC2-A201-058510052FB1}"/>
-              </a:ext>
-            </a:extLst>
-          </p:cNvPr>
-          <p:cNvCxnSpPr>
-            <a:cxnSpLocks/>
-            <a:stCxn id="103" idx="7"/>
-            <a:endCxn id="7" idx="2"/>
-          </p:cNvCxnSpPr>
-          <p:nvPr/>
-        </p:nvCxnSpPr>
-        <p:spPr>
-          <a:xfrm flipV="1">
-            <a:off x="3863478" y="3617051"/>
-            <a:ext cx="1828452" cy="1050486"/>
+            <a:off x="4511135" y="3617051"/>
+            <a:ext cx="1180795" cy="1520002"/>
           </a:xfrm>
           <a:prstGeom prst="line">
             <a:avLst/>

--- a/Er.pptx
+++ b/Er.pptx
@@ -3443,7 +3443,7 @@
           <a:p>
             <a:pPr algn="ctr"/>
             <a:r>
-              <a:rPr lang="hu-HU" dirty="0">
+              <a:rPr lang="hu-HU" sz="2000" dirty="0">
                 <a:ln w="0"/>
                 <a:solidFill>
                   <a:schemeClr val="tx1"/>
@@ -3458,7 +3458,7 @@
               </a:rPr>
               <a:t>Instrument</a:t>
             </a:r>
-            <a:endParaRPr lang="hu-HU" dirty="0"/>
+            <a:endParaRPr lang="hu-HU" sz="2000" dirty="0"/>
           </a:p>
         </p:txBody>
       </p:sp>
@@ -4131,7 +4131,7 @@
         </p:nvSpPr>
         <p:spPr>
           <a:xfrm>
-            <a:off x="2170415" y="2791713"/>
+            <a:off x="3959087" y="521808"/>
             <a:ext cx="1340279" cy="620785"/>
           </a:xfrm>
           <a:prstGeom prst="ellipse">
@@ -4595,7 +4595,7 @@
         </p:nvSpPr>
         <p:spPr>
           <a:xfrm>
-            <a:off x="3510694" y="3789418"/>
+            <a:off x="4594851" y="4164973"/>
             <a:ext cx="1118533" cy="523813"/>
           </a:xfrm>
           <a:prstGeom prst="ellipse">
@@ -4653,7 +4653,7 @@
         </p:nvSpPr>
         <p:spPr>
           <a:xfrm>
-            <a:off x="6597028" y="3747935"/>
+            <a:off x="6711594" y="3558489"/>
             <a:ext cx="1185949" cy="537095"/>
           </a:xfrm>
           <a:prstGeom prst="ellipse">
@@ -4711,7 +4711,7 @@
         </p:nvSpPr>
         <p:spPr>
           <a:xfrm>
-            <a:off x="5638343" y="5282351"/>
+            <a:off x="6669153" y="4347413"/>
             <a:ext cx="1185949" cy="537095"/>
           </a:xfrm>
           <a:prstGeom prst="ellipse">
@@ -4773,8 +4773,8 @@
         </p:nvCxnSpPr>
         <p:spPr>
           <a:xfrm flipV="1">
-            <a:off x="4465422" y="3617051"/>
-            <a:ext cx="1226508" cy="249078"/>
+            <a:off x="5549579" y="3617051"/>
+            <a:ext cx="142351" cy="624633"/>
           </a:xfrm>
           <a:prstGeom prst="line">
             <a:avLst/>
@@ -4815,7 +4815,7 @@
         <p:spPr>
           <a:xfrm flipH="1" flipV="1">
             <a:off x="5691930" y="3617051"/>
-            <a:ext cx="1078776" cy="209540"/>
+            <a:ext cx="1193342" cy="20094"/>
           </a:xfrm>
           <a:prstGeom prst="line">
             <a:avLst/>
@@ -4856,7 +4856,7 @@
         <p:spPr>
           <a:xfrm flipH="1" flipV="1">
             <a:off x="5691930" y="3617051"/>
-            <a:ext cx="539388" cy="1665300"/>
+            <a:ext cx="1570198" cy="730362"/>
           </a:xfrm>
           <a:prstGeom prst="line">
             <a:avLst/>
@@ -5176,15 +5176,14 @@
           </p:cNvPr>
           <p:cNvCxnSpPr>
             <a:cxnSpLocks/>
-            <a:stCxn id="26" idx="0"/>
-            <a:endCxn id="8" idx="2"/>
+            <a:endCxn id="8" idx="0"/>
           </p:cNvCxnSpPr>
           <p:nvPr/>
         </p:nvCxnSpPr>
         <p:spPr>
-          <a:xfrm flipV="1">
-            <a:off x="2840555" y="2189168"/>
-            <a:ext cx="659050" cy="602545"/>
+          <a:xfrm flipH="1">
+            <a:off x="3499605" y="1145513"/>
+            <a:ext cx="1089908" cy="422870"/>
           </a:xfrm>
           <a:prstGeom prst="line">
             <a:avLst/>
@@ -5261,7 +5260,7 @@
         </p:nvSpPr>
         <p:spPr>
           <a:xfrm>
-            <a:off x="3616826" y="5137053"/>
+            <a:off x="5220114" y="4805852"/>
             <a:ext cx="1788617" cy="804178"/>
           </a:xfrm>
           <a:prstGeom prst="ellipse">
@@ -5322,9 +5321,9 @@
           <p:nvPr/>
         </p:nvCxnSpPr>
         <p:spPr>
-          <a:xfrm flipV="1">
-            <a:off x="4511135" y="3617051"/>
-            <a:ext cx="1180795" cy="1520002"/>
+          <a:xfrm flipH="1" flipV="1">
+            <a:off x="5691930" y="3617051"/>
+            <a:ext cx="422493" cy="1188801"/>
           </a:xfrm>
           <a:prstGeom prst="line">
             <a:avLst/>
@@ -5765,7 +5764,7 @@
           <a:noFill/>
         </p:spPr>
         <p:txBody>
-          <a:bodyPr wrap="none" rtlCol="0">
+          <a:bodyPr wrap="square" rtlCol="0">
             <a:spAutoFit/>
           </a:bodyPr>
           <a:lstStyle/>
@@ -5800,7 +5799,7 @@
           <a:noFill/>
         </p:spPr>
         <p:txBody>
-          <a:bodyPr wrap="none" rtlCol="0">
+          <a:bodyPr wrap="square" rtlCol="0">
             <a:spAutoFit/>
           </a:bodyPr>
           <a:lstStyle/>
@@ -5835,7 +5834,7 @@
           <a:noFill/>
         </p:spPr>
         <p:txBody>
-          <a:bodyPr wrap="none" rtlCol="0">
+          <a:bodyPr wrap="square" rtlCol="0">
             <a:spAutoFit/>
           </a:bodyPr>
           <a:lstStyle/>
@@ -5870,7 +5869,7 @@
           <a:noFill/>
         </p:spPr>
         <p:txBody>
-          <a:bodyPr wrap="none" rtlCol="0">
+          <a:bodyPr wrap="square" rtlCol="0">
             <a:spAutoFit/>
           </a:bodyPr>
           <a:lstStyle/>
@@ -5905,7 +5904,7 @@
           <a:noFill/>
         </p:spPr>
         <p:txBody>
-          <a:bodyPr wrap="none" rtlCol="0">
+          <a:bodyPr wrap="square" rtlCol="0">
             <a:spAutoFit/>
           </a:bodyPr>
           <a:lstStyle/>
@@ -5940,7 +5939,7 @@
           <a:noFill/>
         </p:spPr>
         <p:txBody>
-          <a:bodyPr wrap="none" rtlCol="0">
+          <a:bodyPr wrap="square" rtlCol="0">
             <a:spAutoFit/>
           </a:bodyPr>
           <a:lstStyle/>
@@ -5952,6 +5951,318 @@
           </a:p>
         </p:txBody>
       </p:sp>
+      <p:cxnSp>
+        <p:nvCxnSpPr>
+          <p:cNvPr id="64" name="Egyenes összekötő 63">
+            <a:extLst>
+              <a:ext uri="{FF2B5EF4-FFF2-40B4-BE49-F238E27FC236}">
+                <a16:creationId xmlns:a16="http://schemas.microsoft.com/office/drawing/2014/main" id="{7D754E76-908B-4F50-B26B-C1BFC8496EF3}"/>
+              </a:ext>
+            </a:extLst>
+          </p:cNvPr>
+          <p:cNvCxnSpPr>
+            <a:cxnSpLocks/>
+            <a:stCxn id="67" idx="3"/>
+          </p:cNvCxnSpPr>
+          <p:nvPr/>
+        </p:nvCxnSpPr>
+        <p:spPr>
+          <a:xfrm>
+            <a:off x="4280476" y="3306659"/>
+            <a:ext cx="715168" cy="0"/>
+          </a:xfrm>
+          <a:prstGeom prst="line">
+            <a:avLst/>
+          </a:prstGeom>
+          <a:ln w="28575"/>
+        </p:spPr>
+        <p:style>
+          <a:lnRef idx="1">
+            <a:schemeClr val="dk1"/>
+          </a:lnRef>
+          <a:fillRef idx="0">
+            <a:schemeClr val="dk1"/>
+          </a:fillRef>
+          <a:effectRef idx="0">
+            <a:schemeClr val="dk1"/>
+          </a:effectRef>
+          <a:fontRef idx="minor">
+            <a:schemeClr val="tx1"/>
+          </a:fontRef>
+        </p:style>
+      </p:cxnSp>
+      <p:sp>
+        <p:nvSpPr>
+          <p:cNvPr id="67" name="Folyamatábra: Döntés 66">
+            <a:extLst>
+              <a:ext uri="{FF2B5EF4-FFF2-40B4-BE49-F238E27FC236}">
+                <a16:creationId xmlns:a16="http://schemas.microsoft.com/office/drawing/2014/main" id="{8038FA2A-77A3-45E6-8518-91BFB7AAC152}"/>
+              </a:ext>
+            </a:extLst>
+          </p:cNvPr>
+          <p:cNvSpPr/>
+          <p:nvPr/>
+        </p:nvSpPr>
+        <p:spPr>
+          <a:xfrm>
+            <a:off x="2132894" y="2857149"/>
+            <a:ext cx="2147582" cy="899019"/>
+          </a:xfrm>
+          <a:prstGeom prst="flowChartDecision">
+            <a:avLst/>
+          </a:prstGeom>
+          <a:noFill/>
+          <a:ln w="38100">
+            <a:solidFill>
+              <a:schemeClr val="tx1"/>
+            </a:solidFill>
+          </a:ln>
+        </p:spPr>
+        <p:style>
+          <a:lnRef idx="2">
+            <a:schemeClr val="accent1">
+              <a:shade val="50000"/>
+            </a:schemeClr>
+          </a:lnRef>
+          <a:fillRef idx="1">
+            <a:schemeClr val="accent1"/>
+          </a:fillRef>
+          <a:effectRef idx="0">
+            <a:schemeClr val="accent1"/>
+          </a:effectRef>
+          <a:fontRef idx="minor">
+            <a:schemeClr val="lt1"/>
+          </a:fontRef>
+        </p:style>
+        <p:txBody>
+          <a:bodyPr rot="0" spcFirstLastPara="0" vertOverflow="overflow" horzOverflow="overflow" vert="horz" wrap="square" lIns="91440" tIns="45720" rIns="91440" bIns="45720" numCol="1" spcCol="0" rtlCol="0" fromWordArt="0" anchor="ctr" anchorCtr="0" forceAA="0" compatLnSpc="1">
+            <a:prstTxWarp prst="textNoShape">
+              <a:avLst/>
+            </a:prstTxWarp>
+            <a:noAutofit/>
+          </a:bodyPr>
+          <a:lstStyle/>
+          <a:p>
+            <a:pPr algn="ctr"/>
+            <a:r>
+              <a:rPr lang="hu-HU" dirty="0">
+                <a:ln w="0"/>
+                <a:solidFill>
+                  <a:schemeClr val="tx1"/>
+                </a:solidFill>
+                <a:effectLst>
+                  <a:outerShdw blurRad="38100" dist="19050" dir="2700000" algn="tl" rotWithShape="0">
+                    <a:schemeClr val="dk1">
+                      <a:alpha val="40000"/>
+                    </a:schemeClr>
+                  </a:outerShdw>
+                </a:effectLst>
+              </a:rPr>
+              <a:t>Purchase</a:t>
+            </a:r>
+          </a:p>
+        </p:txBody>
+      </p:sp>
+      <p:cxnSp>
+        <p:nvCxnSpPr>
+          <p:cNvPr id="70" name="Egyenes összekötő 69">
+            <a:extLst>
+              <a:ext uri="{FF2B5EF4-FFF2-40B4-BE49-F238E27FC236}">
+                <a16:creationId xmlns:a16="http://schemas.microsoft.com/office/drawing/2014/main" id="{C33F20AE-82AE-4681-A882-294F76773EE0}"/>
+              </a:ext>
+            </a:extLst>
+          </p:cNvPr>
+          <p:cNvCxnSpPr>
+            <a:cxnSpLocks/>
+            <a:stCxn id="67" idx="2"/>
+            <a:endCxn id="75" idx="0"/>
+          </p:cNvCxnSpPr>
+          <p:nvPr/>
+        </p:nvCxnSpPr>
+        <p:spPr>
+          <a:xfrm>
+            <a:off x="3206685" y="3756168"/>
+            <a:ext cx="0" cy="948768"/>
+          </a:xfrm>
+          <a:prstGeom prst="line">
+            <a:avLst/>
+          </a:prstGeom>
+          <a:ln w="28575"/>
+        </p:spPr>
+        <p:style>
+          <a:lnRef idx="1">
+            <a:schemeClr val="dk1"/>
+          </a:lnRef>
+          <a:fillRef idx="0">
+            <a:schemeClr val="dk1"/>
+          </a:fillRef>
+          <a:effectRef idx="0">
+            <a:schemeClr val="dk1"/>
+          </a:effectRef>
+          <a:fontRef idx="minor">
+            <a:schemeClr val="tx1"/>
+          </a:fontRef>
+        </p:style>
+      </p:cxnSp>
+      <p:sp>
+        <p:nvSpPr>
+          <p:cNvPr id="75" name="Téglalap 74">
+            <a:extLst>
+              <a:ext uri="{FF2B5EF4-FFF2-40B4-BE49-F238E27FC236}">
+                <a16:creationId xmlns:a16="http://schemas.microsoft.com/office/drawing/2014/main" id="{426B4C48-0780-4C7E-B254-F0AC9B74166D}"/>
+              </a:ext>
+            </a:extLst>
+          </p:cNvPr>
+          <p:cNvSpPr/>
+          <p:nvPr/>
+        </p:nvSpPr>
+        <p:spPr>
+          <a:xfrm>
+            <a:off x="2510399" y="4704936"/>
+            <a:ext cx="1392572" cy="620785"/>
+          </a:xfrm>
+          <a:prstGeom prst="rect">
+            <a:avLst/>
+          </a:prstGeom>
+          <a:noFill/>
+          <a:ln w="38100">
+            <a:solidFill>
+              <a:schemeClr val="tx1"/>
+            </a:solidFill>
+          </a:ln>
+        </p:spPr>
+        <p:style>
+          <a:lnRef idx="2">
+            <a:schemeClr val="accent1">
+              <a:shade val="50000"/>
+            </a:schemeClr>
+          </a:lnRef>
+          <a:fillRef idx="1">
+            <a:schemeClr val="accent1"/>
+          </a:fillRef>
+          <a:effectRef idx="0">
+            <a:schemeClr val="accent1"/>
+          </a:effectRef>
+          <a:fontRef idx="minor">
+            <a:schemeClr val="lt1"/>
+          </a:fontRef>
+        </p:style>
+        <p:txBody>
+          <a:bodyPr rtlCol="0" anchor="ctr"/>
+          <a:lstStyle/>
+          <a:p>
+            <a:pPr algn="ctr"/>
+            <a:r>
+              <a:rPr lang="hu-HU" dirty="0">
+                <a:solidFill>
+                  <a:schemeClr val="tx1"/>
+                </a:solidFill>
+              </a:rPr>
+              <a:t>Delivery</a:t>
+            </a:r>
+          </a:p>
+        </p:txBody>
+      </p:sp>
+      <p:sp>
+        <p:nvSpPr>
+          <p:cNvPr id="77" name="Téglalap 76">
+            <a:extLst>
+              <a:ext uri="{FF2B5EF4-FFF2-40B4-BE49-F238E27FC236}">
+                <a16:creationId xmlns:a16="http://schemas.microsoft.com/office/drawing/2014/main" id="{84A0DD26-E32C-45D2-A960-E18869A8EE24}"/>
+              </a:ext>
+            </a:extLst>
+          </p:cNvPr>
+          <p:cNvSpPr/>
+          <p:nvPr/>
+        </p:nvSpPr>
+        <p:spPr>
+          <a:xfrm>
+            <a:off x="31533" y="2996265"/>
+            <a:ext cx="1392572" cy="620785"/>
+          </a:xfrm>
+          <a:prstGeom prst="rect">
+            <a:avLst/>
+          </a:prstGeom>
+          <a:noFill/>
+          <a:ln w="38100">
+            <a:solidFill>
+              <a:schemeClr val="tx1"/>
+            </a:solidFill>
+          </a:ln>
+        </p:spPr>
+        <p:style>
+          <a:lnRef idx="2">
+            <a:schemeClr val="accent1">
+              <a:shade val="50000"/>
+            </a:schemeClr>
+          </a:lnRef>
+          <a:fillRef idx="1">
+            <a:schemeClr val="accent1"/>
+          </a:fillRef>
+          <a:effectRef idx="0">
+            <a:schemeClr val="accent1"/>
+          </a:effectRef>
+          <a:fontRef idx="minor">
+            <a:schemeClr val="lt1"/>
+          </a:fontRef>
+        </p:style>
+        <p:txBody>
+          <a:bodyPr rtlCol="0" anchor="ctr"/>
+          <a:lstStyle/>
+          <a:p>
+            <a:pPr algn="ctr"/>
+            <a:r>
+              <a:rPr lang="hu-HU" dirty="0">
+                <a:solidFill>
+                  <a:schemeClr val="tx1"/>
+                </a:solidFill>
+              </a:rPr>
+              <a:t>Costumer</a:t>
+            </a:r>
+          </a:p>
+        </p:txBody>
+      </p:sp>
+      <p:cxnSp>
+        <p:nvCxnSpPr>
+          <p:cNvPr id="78" name="Egyenes összekötő 77">
+            <a:extLst>
+              <a:ext uri="{FF2B5EF4-FFF2-40B4-BE49-F238E27FC236}">
+                <a16:creationId xmlns:a16="http://schemas.microsoft.com/office/drawing/2014/main" id="{E5C43AB0-93CB-4588-9543-0F90E1F8AB48}"/>
+              </a:ext>
+            </a:extLst>
+          </p:cNvPr>
+          <p:cNvCxnSpPr>
+            <a:cxnSpLocks/>
+            <a:stCxn id="67" idx="1"/>
+            <a:endCxn id="77" idx="3"/>
+          </p:cNvCxnSpPr>
+          <p:nvPr/>
+        </p:nvCxnSpPr>
+        <p:spPr>
+          <a:xfrm flipH="1" flipV="1">
+            <a:off x="1424105" y="3306658"/>
+            <a:ext cx="708789" cy="1"/>
+          </a:xfrm>
+          <a:prstGeom prst="line">
+            <a:avLst/>
+          </a:prstGeom>
+          <a:ln w="28575"/>
+        </p:spPr>
+        <p:style>
+          <a:lnRef idx="1">
+            <a:schemeClr val="dk1"/>
+          </a:lnRef>
+          <a:fillRef idx="0">
+            <a:schemeClr val="dk1"/>
+          </a:fillRef>
+          <a:effectRef idx="0">
+            <a:schemeClr val="dk1"/>
+          </a:effectRef>
+          <a:fontRef idx="minor">
+            <a:schemeClr val="tx1"/>
+          </a:fontRef>
+        </p:style>
+      </p:cxnSp>
     </p:spTree>
     <p:extLst>
       <p:ext uri="{BB962C8B-B14F-4D97-AF65-F5344CB8AC3E}">

--- a/Er.pptx
+++ b/Er.pptx
@@ -259,7 +259,7 @@
           <a:p>
             <a:fld id="{A6D7FE43-FBA7-4265-8E1B-2DFE33AB4FC3}" type="datetimeFigureOut">
               <a:rPr lang="hu-HU" smtClean="0"/>
-              <a:t>2025. 10. 14.</a:t>
+              <a:t>2025. 10. 16.</a:t>
             </a:fld>
             <a:endParaRPr lang="hu-HU" dirty="0"/>
           </a:p>
@@ -457,7 +457,7 @@
           <a:p>
             <a:fld id="{A6D7FE43-FBA7-4265-8E1B-2DFE33AB4FC3}" type="datetimeFigureOut">
               <a:rPr lang="hu-HU" smtClean="0"/>
-              <a:t>2025. 10. 14.</a:t>
+              <a:t>2025. 10. 16.</a:t>
             </a:fld>
             <a:endParaRPr lang="hu-HU" dirty="0"/>
           </a:p>
@@ -665,7 +665,7 @@
           <a:p>
             <a:fld id="{A6D7FE43-FBA7-4265-8E1B-2DFE33AB4FC3}" type="datetimeFigureOut">
               <a:rPr lang="hu-HU" smtClean="0"/>
-              <a:t>2025. 10. 14.</a:t>
+              <a:t>2025. 10. 16.</a:t>
             </a:fld>
             <a:endParaRPr lang="hu-HU" dirty="0"/>
           </a:p>
@@ -863,7 +863,7 @@
           <a:p>
             <a:fld id="{A6D7FE43-FBA7-4265-8E1B-2DFE33AB4FC3}" type="datetimeFigureOut">
               <a:rPr lang="hu-HU" smtClean="0"/>
-              <a:t>2025. 10. 14.</a:t>
+              <a:t>2025. 10. 16.</a:t>
             </a:fld>
             <a:endParaRPr lang="hu-HU" dirty="0"/>
           </a:p>
@@ -1138,7 +1138,7 @@
           <a:p>
             <a:fld id="{A6D7FE43-FBA7-4265-8E1B-2DFE33AB4FC3}" type="datetimeFigureOut">
               <a:rPr lang="hu-HU" smtClean="0"/>
-              <a:t>2025. 10. 14.</a:t>
+              <a:t>2025. 10. 16.</a:t>
             </a:fld>
             <a:endParaRPr lang="hu-HU" dirty="0"/>
           </a:p>
@@ -1403,7 +1403,7 @@
           <a:p>
             <a:fld id="{A6D7FE43-FBA7-4265-8E1B-2DFE33AB4FC3}" type="datetimeFigureOut">
               <a:rPr lang="hu-HU" smtClean="0"/>
-              <a:t>2025. 10. 14.</a:t>
+              <a:t>2025. 10. 16.</a:t>
             </a:fld>
             <a:endParaRPr lang="hu-HU" dirty="0"/>
           </a:p>
@@ -1815,7 +1815,7 @@
           <a:p>
             <a:fld id="{A6D7FE43-FBA7-4265-8E1B-2DFE33AB4FC3}" type="datetimeFigureOut">
               <a:rPr lang="hu-HU" smtClean="0"/>
-              <a:t>2025. 10. 14.</a:t>
+              <a:t>2025. 10. 16.</a:t>
             </a:fld>
             <a:endParaRPr lang="hu-HU" dirty="0"/>
           </a:p>
@@ -1956,7 +1956,7 @@
           <a:p>
             <a:fld id="{A6D7FE43-FBA7-4265-8E1B-2DFE33AB4FC3}" type="datetimeFigureOut">
               <a:rPr lang="hu-HU" smtClean="0"/>
-              <a:t>2025. 10. 14.</a:t>
+              <a:t>2025. 10. 16.</a:t>
             </a:fld>
             <a:endParaRPr lang="hu-HU" dirty="0"/>
           </a:p>
@@ -2069,7 +2069,7 @@
           <a:p>
             <a:fld id="{A6D7FE43-FBA7-4265-8E1B-2DFE33AB4FC3}" type="datetimeFigureOut">
               <a:rPr lang="hu-HU" smtClean="0"/>
-              <a:t>2025. 10. 14.</a:t>
+              <a:t>2025. 10. 16.</a:t>
             </a:fld>
             <a:endParaRPr lang="hu-HU" dirty="0"/>
           </a:p>
@@ -2380,7 +2380,7 @@
           <a:p>
             <a:fld id="{A6D7FE43-FBA7-4265-8E1B-2DFE33AB4FC3}" type="datetimeFigureOut">
               <a:rPr lang="hu-HU" smtClean="0"/>
-              <a:t>2025. 10. 14.</a:t>
+              <a:t>2025. 10. 16.</a:t>
             </a:fld>
             <a:endParaRPr lang="hu-HU" dirty="0"/>
           </a:p>
@@ -2668,7 +2668,7 @@
           <a:p>
             <a:fld id="{A6D7FE43-FBA7-4265-8E1B-2DFE33AB4FC3}" type="datetimeFigureOut">
               <a:rPr lang="hu-HU" smtClean="0"/>
-              <a:t>2025. 10. 14.</a:t>
+              <a:t>2025. 10. 16.</a:t>
             </a:fld>
             <a:endParaRPr lang="hu-HU" dirty="0"/>
           </a:p>
@@ -2909,7 +2909,7 @@
           <a:p>
             <a:fld id="{A6D7FE43-FBA7-4265-8E1B-2DFE33AB4FC3}" type="datetimeFigureOut">
               <a:rPr lang="hu-HU" smtClean="0"/>
-              <a:t>2025. 10. 14.</a:t>
+              <a:t>2025. 10. 16.</a:t>
             </a:fld>
             <a:endParaRPr lang="hu-HU" dirty="0"/>
           </a:p>
@@ -3340,7 +3340,7 @@
         </p:nvSpPr>
         <p:spPr>
           <a:xfrm>
-            <a:off x="448110" y="162179"/>
+            <a:off x="377505" y="19047"/>
             <a:ext cx="1392572" cy="620785"/>
           </a:xfrm>
           <a:prstGeom prst="rect">
@@ -3408,7 +3408,7 @@
         </p:nvSpPr>
         <p:spPr>
           <a:xfrm>
-            <a:off x="4995644" y="2996266"/>
+            <a:off x="2560344" y="3031406"/>
             <a:ext cx="1392572" cy="620785"/>
           </a:xfrm>
           <a:prstGeom prst="rect">
@@ -3476,7 +3476,7 @@
         </p:nvSpPr>
         <p:spPr>
           <a:xfrm>
-            <a:off x="2803319" y="1568383"/>
+            <a:off x="377505" y="2009494"/>
             <a:ext cx="1392572" cy="620785"/>
           </a:xfrm>
           <a:prstGeom prst="rect">
@@ -3544,7 +3544,7 @@
         </p:nvSpPr>
         <p:spPr>
           <a:xfrm>
-            <a:off x="10765873" y="2996267"/>
+            <a:off x="7452243" y="3032693"/>
             <a:ext cx="1392572" cy="620785"/>
           </a:xfrm>
           <a:prstGeom prst="rect">
@@ -3612,7 +3612,7 @@
         </p:nvSpPr>
         <p:spPr>
           <a:xfrm>
-            <a:off x="7499757" y="2857149"/>
+            <a:off x="4565049" y="3688285"/>
             <a:ext cx="2147582" cy="899019"/>
           </a:xfrm>
           <a:prstGeom prst="flowChartDecision">
@@ -3686,9 +3686,9 @@
           <p:nvPr/>
         </p:nvCxnSpPr>
         <p:spPr>
-          <a:xfrm flipH="1" flipV="1">
-            <a:off x="9647339" y="3306659"/>
-            <a:ext cx="1118534" cy="1"/>
+          <a:xfrm flipH="1">
+            <a:off x="6712631" y="3343086"/>
+            <a:ext cx="739612" cy="794709"/>
           </a:xfrm>
           <a:prstGeom prst="line">
             <a:avLst/>
@@ -3727,9 +3727,9 @@
           <p:nvPr/>
         </p:nvCxnSpPr>
         <p:spPr>
-          <a:xfrm flipH="1">
-            <a:off x="6388216" y="3306659"/>
-            <a:ext cx="1111541" cy="0"/>
+          <a:xfrm flipH="1" flipV="1">
+            <a:off x="3952916" y="3341799"/>
+            <a:ext cx="612133" cy="795996"/>
           </a:xfrm>
           <a:prstGeom prst="line">
             <a:avLst/>
@@ -3765,7 +3765,7 @@
         </p:nvSpPr>
         <p:spPr>
           <a:xfrm>
-            <a:off x="70605" y="1429265"/>
+            <a:off x="0" y="858398"/>
             <a:ext cx="2147582" cy="899019"/>
           </a:xfrm>
           <a:prstGeom prst="flowChartDecision">
@@ -3841,8 +3841,8 @@
         </p:nvCxnSpPr>
         <p:spPr>
           <a:xfrm flipV="1">
-            <a:off x="1144396" y="782964"/>
-            <a:ext cx="0" cy="646301"/>
+            <a:off x="1073791" y="639832"/>
+            <a:ext cx="0" cy="218566"/>
           </a:xfrm>
           <a:prstGeom prst="line">
             <a:avLst/>
@@ -3875,15 +3875,15 @@
           </p:cNvPr>
           <p:cNvCxnSpPr>
             <a:cxnSpLocks/>
-            <a:stCxn id="8" idx="1"/>
-            <a:endCxn id="40" idx="3"/>
+            <a:stCxn id="8" idx="0"/>
+            <a:endCxn id="40" idx="2"/>
           </p:cNvCxnSpPr>
           <p:nvPr/>
         </p:nvCxnSpPr>
         <p:spPr>
-          <a:xfrm flipH="1" flipV="1">
-            <a:off x="2218187" y="1878775"/>
-            <a:ext cx="585132" cy="1"/>
+          <a:xfrm flipV="1">
+            <a:off x="1073791" y="1757417"/>
+            <a:ext cx="0" cy="252077"/>
           </a:xfrm>
           <a:prstGeom prst="line">
             <a:avLst/>
@@ -3919,7 +3919,7 @@
         </p:nvSpPr>
         <p:spPr>
           <a:xfrm>
-            <a:off x="4618139" y="1429267"/>
+            <a:off x="0" y="2878842"/>
             <a:ext cx="2147582" cy="899019"/>
           </a:xfrm>
           <a:prstGeom prst="flowChartDecision">
@@ -3988,15 +3988,15 @@
           </p:cNvPr>
           <p:cNvCxnSpPr>
             <a:cxnSpLocks/>
-            <a:stCxn id="47" idx="2"/>
-            <a:endCxn id="7" idx="0"/>
+            <a:stCxn id="47" idx="3"/>
+            <a:endCxn id="7" idx="1"/>
           </p:cNvCxnSpPr>
           <p:nvPr/>
         </p:nvCxnSpPr>
         <p:spPr>
           <a:xfrm>
-            <a:off x="5691930" y="2328286"/>
-            <a:ext cx="0" cy="667980"/>
+            <a:off x="2147582" y="3328352"/>
+            <a:ext cx="412762" cy="13447"/>
           </a:xfrm>
           <a:prstGeom prst="line">
             <a:avLst/>
@@ -4029,15 +4029,15 @@
           </p:cNvPr>
           <p:cNvCxnSpPr>
             <a:cxnSpLocks/>
-            <a:stCxn id="47" idx="1"/>
-            <a:endCxn id="8" idx="3"/>
+            <a:stCxn id="47" idx="0"/>
+            <a:endCxn id="8" idx="2"/>
           </p:cNvCxnSpPr>
           <p:nvPr/>
         </p:nvCxnSpPr>
         <p:spPr>
-          <a:xfrm flipH="1" flipV="1">
-            <a:off x="4195891" y="1878776"/>
-            <a:ext cx="422248" cy="1"/>
+          <a:xfrm flipV="1">
+            <a:off x="1073791" y="2630279"/>
+            <a:ext cx="0" cy="248563"/>
           </a:xfrm>
           <a:prstGeom prst="line">
             <a:avLst/>
@@ -4073,7 +4073,7 @@
         </p:nvSpPr>
         <p:spPr>
           <a:xfrm>
-            <a:off x="9301067" y="2204096"/>
+            <a:off x="9314821" y="4903072"/>
             <a:ext cx="1118533" cy="523813"/>
           </a:xfrm>
           <a:prstGeom prst="ellipse">
@@ -4131,7 +4131,7 @@
         </p:nvSpPr>
         <p:spPr>
           <a:xfrm>
-            <a:off x="3959087" y="521808"/>
+            <a:off x="2111736" y="2014196"/>
             <a:ext cx="1340279" cy="620785"/>
           </a:xfrm>
           <a:prstGeom prst="ellipse">
@@ -4189,7 +4189,7 @@
         </p:nvSpPr>
         <p:spPr>
           <a:xfrm>
-            <a:off x="10611193" y="1726611"/>
+            <a:off x="10470409" y="4892149"/>
             <a:ext cx="1540793" cy="671833"/>
           </a:xfrm>
           <a:prstGeom prst="ellipse">
@@ -4247,7 +4247,7 @@
         </p:nvSpPr>
         <p:spPr>
           <a:xfrm>
-            <a:off x="9249974" y="3789418"/>
+            <a:off x="6838554" y="5228066"/>
             <a:ext cx="1515899" cy="803996"/>
           </a:xfrm>
           <a:prstGeom prst="ellipse">
@@ -4305,7 +4305,7 @@
         </p:nvSpPr>
         <p:spPr>
           <a:xfrm>
-            <a:off x="11006051" y="4830133"/>
+            <a:off x="8688467" y="5447213"/>
             <a:ext cx="1185949" cy="523813"/>
           </a:xfrm>
           <a:prstGeom prst="ellipse">
@@ -4363,7 +4363,7 @@
         </p:nvSpPr>
         <p:spPr>
           <a:xfrm>
-            <a:off x="9119786" y="5015329"/>
+            <a:off x="5534697" y="5187503"/>
             <a:ext cx="1299814" cy="523813"/>
           </a:xfrm>
           <a:prstGeom prst="ellipse">
@@ -4421,7 +4421,7 @@
         </p:nvSpPr>
         <p:spPr>
           <a:xfrm>
-            <a:off x="10068271" y="5550898"/>
+            <a:off x="8023456" y="5949743"/>
             <a:ext cx="1185949" cy="537095"/>
           </a:xfrm>
           <a:prstGeom prst="ellipse">
@@ -4479,7 +4479,7 @@
         </p:nvSpPr>
         <p:spPr>
           <a:xfrm>
-            <a:off x="2382791" y="165279"/>
+            <a:off x="2162915" y="19046"/>
             <a:ext cx="1194762" cy="620785"/>
           </a:xfrm>
           <a:prstGeom prst="ellipse">
@@ -4537,7 +4537,7 @@
         </p:nvSpPr>
         <p:spPr>
           <a:xfrm>
-            <a:off x="9301067" y="1231595"/>
+            <a:off x="10004147" y="4201768"/>
             <a:ext cx="1118533" cy="523813"/>
           </a:xfrm>
           <a:prstGeom prst="ellipse">
@@ -4595,7 +4595,7 @@
         </p:nvSpPr>
         <p:spPr>
           <a:xfrm>
-            <a:off x="4594851" y="4164973"/>
+            <a:off x="758758" y="3938642"/>
             <a:ext cx="1118533" cy="523813"/>
           </a:xfrm>
           <a:prstGeom prst="ellipse">
@@ -4653,7 +4653,7 @@
         </p:nvSpPr>
         <p:spPr>
           <a:xfrm>
-            <a:off x="6711594" y="3558489"/>
+            <a:off x="3305828" y="4230497"/>
             <a:ext cx="1185949" cy="537095"/>
           </a:xfrm>
           <a:prstGeom prst="ellipse">
@@ -4711,7 +4711,7 @@
         </p:nvSpPr>
         <p:spPr>
           <a:xfrm>
-            <a:off x="6669153" y="4347413"/>
+            <a:off x="2595483" y="4665342"/>
             <a:ext cx="1185949" cy="537095"/>
           </a:xfrm>
           <a:prstGeom prst="ellipse">
@@ -4773,8 +4773,8 @@
         </p:nvCxnSpPr>
         <p:spPr>
           <a:xfrm flipV="1">
-            <a:off x="5549579" y="3617051"/>
-            <a:ext cx="142351" cy="624633"/>
+            <a:off x="1713486" y="3652191"/>
+            <a:ext cx="1543144" cy="363162"/>
           </a:xfrm>
           <a:prstGeom prst="line">
             <a:avLst/>
@@ -4807,15 +4807,15 @@
           </p:cNvPr>
           <p:cNvCxnSpPr>
             <a:cxnSpLocks/>
-            <a:stCxn id="42" idx="1"/>
+            <a:stCxn id="42" idx="0"/>
             <a:endCxn id="7" idx="2"/>
           </p:cNvCxnSpPr>
           <p:nvPr/>
         </p:nvCxnSpPr>
         <p:spPr>
           <a:xfrm flipH="1" flipV="1">
-            <a:off x="5691930" y="3617051"/>
-            <a:ext cx="1193342" cy="20094"/>
+            <a:off x="3256630" y="3652191"/>
+            <a:ext cx="642173" cy="578306"/>
           </a:xfrm>
           <a:prstGeom prst="line">
             <a:avLst/>
@@ -4854,9 +4854,9 @@
           <p:nvPr/>
         </p:nvCxnSpPr>
         <p:spPr>
-          <a:xfrm flipH="1" flipV="1">
-            <a:off x="5691930" y="3617051"/>
-            <a:ext cx="1570198" cy="730362"/>
+          <a:xfrm flipV="1">
+            <a:off x="3188458" y="3652191"/>
+            <a:ext cx="68172" cy="1013151"/>
           </a:xfrm>
           <a:prstGeom prst="line">
             <a:avLst/>
@@ -4889,15 +4889,15 @@
           </p:cNvPr>
           <p:cNvCxnSpPr>
             <a:cxnSpLocks/>
-            <a:stCxn id="9" idx="0"/>
-            <a:endCxn id="14" idx="5"/>
+            <a:stCxn id="9" idx="2"/>
+            <a:endCxn id="14" idx="1"/>
           </p:cNvCxnSpPr>
           <p:nvPr/>
         </p:nvCxnSpPr>
         <p:spPr>
-          <a:xfrm flipH="1" flipV="1">
-            <a:off x="10255795" y="2651198"/>
-            <a:ext cx="1206364" cy="345069"/>
+          <a:xfrm>
+            <a:off x="8148529" y="3653478"/>
+            <a:ext cx="1330097" cy="1326305"/>
           </a:xfrm>
           <a:prstGeom prst="line">
             <a:avLst/>
@@ -4930,15 +4930,15 @@
           </p:cNvPr>
           <p:cNvCxnSpPr>
             <a:cxnSpLocks/>
-            <a:stCxn id="9" idx="0"/>
-            <a:endCxn id="35" idx="4"/>
+            <a:stCxn id="9" idx="2"/>
+            <a:endCxn id="35" idx="2"/>
           </p:cNvCxnSpPr>
           <p:nvPr/>
         </p:nvCxnSpPr>
         <p:spPr>
-          <a:xfrm flipH="1" flipV="1">
-            <a:off x="9860334" y="1755408"/>
-            <a:ext cx="1601825" cy="1240859"/>
+          <a:xfrm>
+            <a:off x="8148529" y="3653478"/>
+            <a:ext cx="1855618" cy="810197"/>
           </a:xfrm>
           <a:prstGeom prst="line">
             <a:avLst/>
@@ -4971,15 +4971,15 @@
           </p:cNvPr>
           <p:cNvCxnSpPr>
             <a:cxnSpLocks/>
-            <a:stCxn id="9" idx="0"/>
-            <a:endCxn id="28" idx="4"/>
+            <a:stCxn id="9" idx="2"/>
+            <a:endCxn id="28" idx="1"/>
           </p:cNvCxnSpPr>
           <p:nvPr/>
         </p:nvCxnSpPr>
         <p:spPr>
-          <a:xfrm flipH="1" flipV="1">
-            <a:off x="11381590" y="2398444"/>
-            <a:ext cx="80569" cy="597823"/>
+          <a:xfrm>
+            <a:off x="8148529" y="3653478"/>
+            <a:ext cx="2547524" cy="1337059"/>
           </a:xfrm>
           <a:prstGeom prst="line">
             <a:avLst/>
@@ -5013,14 +5013,14 @@
           <p:cNvCxnSpPr>
             <a:cxnSpLocks/>
             <a:stCxn id="9" idx="2"/>
-            <a:endCxn id="29" idx="7"/>
+            <a:endCxn id="29" idx="0"/>
           </p:cNvCxnSpPr>
           <p:nvPr/>
         </p:nvCxnSpPr>
         <p:spPr>
           <a:xfrm flipH="1">
-            <a:off x="10543875" y="3617052"/>
-            <a:ext cx="918284" cy="290108"/>
+            <a:off x="7596504" y="3653478"/>
+            <a:ext cx="552025" cy="1574588"/>
           </a:xfrm>
           <a:prstGeom prst="line">
             <a:avLst/>
@@ -5060,8 +5060,8 @@
         </p:nvCxnSpPr>
         <p:spPr>
           <a:xfrm flipH="1" flipV="1">
-            <a:off x="11462159" y="3617052"/>
-            <a:ext cx="136867" cy="1213081"/>
+            <a:off x="8148529" y="3653478"/>
+            <a:ext cx="1132913" cy="1793735"/>
           </a:xfrm>
           <a:prstGeom prst="line">
             <a:avLst/>
@@ -5101,8 +5101,8 @@
         </p:nvCxnSpPr>
         <p:spPr>
           <a:xfrm flipV="1">
-            <a:off x="10229247" y="3617052"/>
-            <a:ext cx="1232912" cy="1474988"/>
+            <a:off x="6644158" y="3653478"/>
+            <a:ext cx="1504371" cy="1610736"/>
           </a:xfrm>
           <a:prstGeom prst="line">
             <a:avLst/>
@@ -5141,9 +5141,9 @@
           <p:nvPr/>
         </p:nvCxnSpPr>
         <p:spPr>
-          <a:xfrm flipV="1">
-            <a:off x="10661246" y="3617052"/>
-            <a:ext cx="800913" cy="1933846"/>
+          <a:xfrm flipH="1" flipV="1">
+            <a:off x="8148529" y="3653478"/>
+            <a:ext cx="467902" cy="2296265"/>
           </a:xfrm>
           <a:prstGeom prst="line">
             <a:avLst/>
@@ -5176,14 +5176,15 @@
           </p:cNvPr>
           <p:cNvCxnSpPr>
             <a:cxnSpLocks/>
-            <a:endCxn id="8" idx="0"/>
+            <a:stCxn id="8" idx="3"/>
+            <a:endCxn id="26" idx="2"/>
           </p:cNvCxnSpPr>
           <p:nvPr/>
         </p:nvCxnSpPr>
         <p:spPr>
-          <a:xfrm flipH="1">
-            <a:off x="3499605" y="1145513"/>
-            <a:ext cx="1089908" cy="422870"/>
+          <a:xfrm>
+            <a:off x="1770077" y="2319887"/>
+            <a:ext cx="341659" cy="4702"/>
           </a:xfrm>
           <a:prstGeom prst="line">
             <a:avLst/>
@@ -5222,9 +5223,9 @@
           <p:nvPr/>
         </p:nvCxnSpPr>
         <p:spPr>
-          <a:xfrm flipH="1" flipV="1">
-            <a:off x="1840682" y="472572"/>
-            <a:ext cx="542109" cy="3100"/>
+          <a:xfrm flipH="1">
+            <a:off x="1770077" y="329439"/>
+            <a:ext cx="392838" cy="1"/>
           </a:xfrm>
           <a:prstGeom prst="line">
             <a:avLst/>
@@ -5260,7 +5261,7 @@
         </p:nvSpPr>
         <p:spPr>
           <a:xfrm>
-            <a:off x="5220114" y="4805852"/>
+            <a:off x="1488482" y="5099683"/>
             <a:ext cx="1788617" cy="804178"/>
           </a:xfrm>
           <a:prstGeom prst="ellipse">
@@ -5321,9 +5322,9 @@
           <p:nvPr/>
         </p:nvCxnSpPr>
         <p:spPr>
-          <a:xfrm flipH="1" flipV="1">
-            <a:off x="5691930" y="3617051"/>
-            <a:ext cx="422493" cy="1188801"/>
+          <a:xfrm flipV="1">
+            <a:off x="2382791" y="3652191"/>
+            <a:ext cx="873839" cy="1447492"/>
           </a:xfrm>
           <a:prstGeom prst="line">
             <a:avLst/>
@@ -5359,7 +5360,7 @@
         </p:nvSpPr>
         <p:spPr>
           <a:xfrm>
-            <a:off x="8174918" y="6078248"/>
+            <a:off x="4243113" y="5461265"/>
             <a:ext cx="996803" cy="537095"/>
           </a:xfrm>
           <a:prstGeom prst="ellipse">
@@ -5417,7 +5418,7 @@
         </p:nvSpPr>
         <p:spPr>
           <a:xfrm>
-            <a:off x="9331347" y="6099749"/>
+            <a:off x="4420459" y="6154938"/>
             <a:ext cx="1131757" cy="537095"/>
           </a:xfrm>
           <a:prstGeom prst="ellipse">
@@ -5475,7 +5476,7 @@
         </p:nvSpPr>
         <p:spPr>
           <a:xfrm>
-            <a:off x="7341091" y="5428733"/>
+            <a:off x="5545278" y="6311516"/>
             <a:ext cx="1778695" cy="537095"/>
           </a:xfrm>
           <a:prstGeom prst="ellipse">
@@ -5536,9 +5537,9 @@
           <p:nvPr/>
         </p:nvCxnSpPr>
         <p:spPr>
-          <a:xfrm flipH="1" flipV="1">
-            <a:off x="9769693" y="5539142"/>
-            <a:ext cx="127533" cy="560607"/>
+          <a:xfrm flipV="1">
+            <a:off x="4986338" y="5711316"/>
+            <a:ext cx="1198266" cy="443622"/>
           </a:xfrm>
           <a:prstGeom prst="line">
             <a:avLst/>
@@ -5572,14 +5573,14 @@
           <p:cNvCxnSpPr>
             <a:cxnSpLocks/>
             <a:stCxn id="113" idx="7"/>
-            <a:endCxn id="31" idx="3"/>
+            <a:endCxn id="31" idx="4"/>
           </p:cNvCxnSpPr>
           <p:nvPr/>
         </p:nvCxnSpPr>
         <p:spPr>
-          <a:xfrm flipV="1">
-            <a:off x="9025743" y="5462431"/>
-            <a:ext cx="284396" cy="694473"/>
+          <a:xfrm>
+            <a:off x="5093938" y="5539921"/>
+            <a:ext cx="1090666" cy="171395"/>
           </a:xfrm>
           <a:prstGeom prst="line">
             <a:avLst/>
@@ -5612,15 +5613,15 @@
           </p:cNvPr>
           <p:cNvCxnSpPr>
             <a:cxnSpLocks/>
-            <a:stCxn id="115" idx="7"/>
-            <a:endCxn id="31" idx="2"/>
+            <a:stCxn id="115" idx="0"/>
+            <a:endCxn id="31" idx="4"/>
           </p:cNvCxnSpPr>
           <p:nvPr/>
         </p:nvCxnSpPr>
         <p:spPr>
-          <a:xfrm flipV="1">
-            <a:off x="8859302" y="5277236"/>
-            <a:ext cx="260484" cy="230153"/>
+          <a:xfrm flipH="1" flipV="1">
+            <a:off x="6184604" y="5711316"/>
+            <a:ext cx="250022" cy="600200"/>
           </a:xfrm>
           <a:prstGeom prst="line">
             <a:avLst/>
@@ -5656,7 +5657,7 @@
         </p:nvSpPr>
         <p:spPr>
           <a:xfrm>
-            <a:off x="6939123" y="1878774"/>
+            <a:off x="180798" y="4494347"/>
             <a:ext cx="2147580" cy="701650"/>
           </a:xfrm>
           <a:prstGeom prst="ellipse">
@@ -5711,15 +5712,15 @@
           </p:cNvPr>
           <p:cNvCxnSpPr>
             <a:cxnSpLocks/>
-            <a:stCxn id="126" idx="4"/>
-            <a:endCxn id="10" idx="0"/>
+            <a:stCxn id="126" idx="7"/>
+            <a:endCxn id="7" idx="2"/>
           </p:cNvCxnSpPr>
           <p:nvPr/>
         </p:nvCxnSpPr>
         <p:spPr>
-          <a:xfrm>
-            <a:off x="8012913" y="2580424"/>
-            <a:ext cx="560635" cy="276725"/>
+          <a:xfrm flipV="1">
+            <a:off x="2013872" y="3652191"/>
+            <a:ext cx="1242758" cy="944910"/>
           </a:xfrm>
           <a:prstGeom prst="line">
             <a:avLst/>
@@ -5755,7 +5756,7 @@
         </p:nvSpPr>
         <p:spPr>
           <a:xfrm>
-            <a:off x="6753248" y="3000017"/>
+            <a:off x="4325974" y="3569310"/>
             <a:ext cx="333746" cy="369332"/>
           </a:xfrm>
           <a:prstGeom prst="rect">
@@ -5790,8 +5791,8 @@
         </p:nvSpPr>
         <p:spPr>
           <a:xfrm>
-            <a:off x="10033122" y="3000017"/>
-            <a:ext cx="301686" cy="369332"/>
+            <a:off x="6644028" y="3609629"/>
+            <a:ext cx="271224" cy="369332"/>
           </a:xfrm>
           <a:prstGeom prst="rect">
             <a:avLst/>
@@ -5825,7 +5826,7 @@
         </p:nvSpPr>
         <p:spPr>
           <a:xfrm>
-            <a:off x="4259199" y="1570742"/>
+            <a:off x="1049422" y="2608044"/>
             <a:ext cx="301686" cy="369332"/>
           </a:xfrm>
           <a:prstGeom prst="rect">
@@ -5860,7 +5861,7 @@
         </p:nvSpPr>
         <p:spPr>
           <a:xfrm>
-            <a:off x="1144396" y="859674"/>
+            <a:off x="1073754" y="589346"/>
             <a:ext cx="301686" cy="369332"/>
           </a:xfrm>
           <a:prstGeom prst="rect">
@@ -5895,7 +5896,7 @@
         </p:nvSpPr>
         <p:spPr>
           <a:xfrm>
-            <a:off x="5666924" y="2434627"/>
+            <a:off x="2187090" y="3046728"/>
             <a:ext cx="333746" cy="369332"/>
           </a:xfrm>
           <a:prstGeom prst="rect">
@@ -5930,7 +5931,7 @@
         </p:nvSpPr>
         <p:spPr>
           <a:xfrm>
-            <a:off x="2314839" y="1541945"/>
+            <a:off x="1057724" y="1683312"/>
             <a:ext cx="333746" cy="369332"/>
           </a:xfrm>
           <a:prstGeom prst="rect">
@@ -5962,14 +5963,15 @@
           </p:cNvPr>
           <p:cNvCxnSpPr>
             <a:cxnSpLocks/>
-            <a:stCxn id="67" idx="3"/>
+            <a:stCxn id="67" idx="1"/>
+            <a:endCxn id="7" idx="3"/>
           </p:cNvCxnSpPr>
           <p:nvPr/>
         </p:nvCxnSpPr>
         <p:spPr>
-          <a:xfrm>
-            <a:off x="4280476" y="3306659"/>
-            <a:ext cx="715168" cy="0"/>
+          <a:xfrm flipH="1">
+            <a:off x="3952916" y="2979491"/>
+            <a:ext cx="604155" cy="362308"/>
           </a:xfrm>
           <a:prstGeom prst="line">
             <a:avLst/>
@@ -6005,7 +6007,7 @@
         </p:nvSpPr>
         <p:spPr>
           <a:xfrm>
-            <a:off x="2132894" y="2857149"/>
+            <a:off x="4557071" y="2529981"/>
             <a:ext cx="2147582" cy="899019"/>
           </a:xfrm>
           <a:prstGeom prst="flowChartDecision">
@@ -6065,24 +6067,24 @@
       </p:sp>
       <p:cxnSp>
         <p:nvCxnSpPr>
-          <p:cNvPr id="70" name="Egyenes összekötő 69">
-            <a:extLst>
-              <a:ext uri="{FF2B5EF4-FFF2-40B4-BE49-F238E27FC236}">
-                <a16:creationId xmlns:a16="http://schemas.microsoft.com/office/drawing/2014/main" id="{C33F20AE-82AE-4681-A882-294F76773EE0}"/>
+          <p:cNvPr id="78" name="Egyenes összekötő 77">
+            <a:extLst>
+              <a:ext uri="{FF2B5EF4-FFF2-40B4-BE49-F238E27FC236}">
+                <a16:creationId xmlns:a16="http://schemas.microsoft.com/office/drawing/2014/main" id="{E5C43AB0-93CB-4588-9543-0F90E1F8AB48}"/>
               </a:ext>
             </a:extLst>
           </p:cNvPr>
           <p:cNvCxnSpPr>
             <a:cxnSpLocks/>
-            <a:stCxn id="67" idx="2"/>
-            <a:endCxn id="75" idx="0"/>
+            <a:stCxn id="67" idx="0"/>
+            <a:endCxn id="38" idx="2"/>
           </p:cNvCxnSpPr>
           <p:nvPr/>
         </p:nvCxnSpPr>
         <p:spPr>
-          <a:xfrm>
-            <a:off x="3206685" y="3756168"/>
-            <a:ext cx="0" cy="948768"/>
+          <a:xfrm flipV="1">
+            <a:off x="5630862" y="1099133"/>
+            <a:ext cx="0" cy="1430848"/>
           </a:xfrm>
           <a:prstGeom prst="line">
             <a:avLst/>
@@ -6106,7 +6108,7 @@
       </p:cxnSp>
       <p:sp>
         <p:nvSpPr>
-          <p:cNvPr id="75" name="Téglalap 74">
+          <p:cNvPr id="38" name="Téglalap 37">
             <a:extLst>
               <a:ext uri="{FF2B5EF4-FFF2-40B4-BE49-F238E27FC236}">
                 <a16:creationId xmlns:a16="http://schemas.microsoft.com/office/drawing/2014/main" id="{426B4C48-0780-4C7E-B254-F0AC9B74166D}"/>
@@ -6118,7 +6120,7 @@
         </p:nvSpPr>
         <p:spPr>
           <a:xfrm>
-            <a:off x="2510399" y="4704936"/>
+            <a:off x="4934576" y="478348"/>
             <a:ext cx="1392572" cy="620785"/>
           </a:xfrm>
           <a:prstGeom prst="rect">
@@ -6153,22 +6155,230 @@
           <a:p>
             <a:pPr algn="ctr"/>
             <a:r>
-              <a:rPr lang="hu-HU" dirty="0">
+              <a:rPr lang="hu-HU" dirty="0" err="1">
+                <a:ln w="0"/>
                 <a:solidFill>
                   <a:schemeClr val="tx1"/>
                 </a:solidFill>
+                <a:effectLst>
+                  <a:outerShdw blurRad="38100" dist="19050" dir="2700000" algn="tl" rotWithShape="0">
+                    <a:schemeClr val="dk1">
+                      <a:alpha val="40000"/>
+                    </a:schemeClr>
+                  </a:outerShdw>
+                </a:effectLst>
               </a:rPr>
-              <a:t>Delivery</a:t>
-            </a:r>
-          </a:p>
-        </p:txBody>
-      </p:sp>
-      <p:sp>
-        <p:nvSpPr>
-          <p:cNvPr id="77" name="Téglalap 76">
-            <a:extLst>
-              <a:ext uri="{FF2B5EF4-FFF2-40B4-BE49-F238E27FC236}">
-                <a16:creationId xmlns:a16="http://schemas.microsoft.com/office/drawing/2014/main" id="{84A0DD26-E32C-45D2-A960-E18869A8EE24}"/>
+              <a:t>OrderInfo</a:t>
+            </a:r>
+            <a:endParaRPr lang="hu-HU" dirty="0">
+              <a:ln w="0"/>
+              <a:solidFill>
+                <a:schemeClr val="tx1"/>
+              </a:solidFill>
+              <a:effectLst>
+                <a:outerShdw blurRad="38100" dist="19050" dir="2700000" algn="tl" rotWithShape="0">
+                  <a:schemeClr val="dk1">
+                    <a:alpha val="40000"/>
+                  </a:schemeClr>
+                </a:outerShdw>
+              </a:effectLst>
+            </a:endParaRPr>
+          </a:p>
+        </p:txBody>
+      </p:sp>
+      <p:cxnSp>
+        <p:nvCxnSpPr>
+          <p:cNvPr id="249" name="Egyenes összekötő 248">
+            <a:extLst>
+              <a:ext uri="{FF2B5EF4-FFF2-40B4-BE49-F238E27FC236}">
+                <a16:creationId xmlns:a16="http://schemas.microsoft.com/office/drawing/2014/main" id="{6FB25BB3-D0E7-CC84-B3DB-3B324721F7A7}"/>
+              </a:ext>
+            </a:extLst>
+          </p:cNvPr>
+          <p:cNvCxnSpPr>
+            <a:cxnSpLocks/>
+            <a:stCxn id="9" idx="1"/>
+            <a:endCxn id="67" idx="3"/>
+          </p:cNvCxnSpPr>
+          <p:nvPr/>
+        </p:nvCxnSpPr>
+        <p:spPr>
+          <a:xfrm flipH="1" flipV="1">
+            <a:off x="6704653" y="2979491"/>
+            <a:ext cx="747590" cy="363595"/>
+          </a:xfrm>
+          <a:prstGeom prst="line">
+            <a:avLst/>
+          </a:prstGeom>
+          <a:ln w="28575"/>
+        </p:spPr>
+        <p:style>
+          <a:lnRef idx="1">
+            <a:schemeClr val="dk1"/>
+          </a:lnRef>
+          <a:fillRef idx="0">
+            <a:schemeClr val="dk1"/>
+          </a:fillRef>
+          <a:effectRef idx="0">
+            <a:schemeClr val="dk1"/>
+          </a:effectRef>
+          <a:fontRef idx="minor">
+            <a:schemeClr val="tx1"/>
+          </a:fontRef>
+        </p:style>
+      </p:cxnSp>
+      <p:sp>
+        <p:nvSpPr>
+          <p:cNvPr id="277" name="Szövegdoboz 276">
+            <a:extLst>
+              <a:ext uri="{FF2B5EF4-FFF2-40B4-BE49-F238E27FC236}">
+                <a16:creationId xmlns:a16="http://schemas.microsoft.com/office/drawing/2014/main" id="{6A9FA441-771B-A474-D572-BFBD2BC3C64D}"/>
+              </a:ext>
+            </a:extLst>
+          </p:cNvPr>
+          <p:cNvSpPr txBox="1"/>
+          <p:nvPr/>
+        </p:nvSpPr>
+        <p:spPr>
+          <a:xfrm>
+            <a:off x="4070965" y="2831402"/>
+            <a:ext cx="271224" cy="369332"/>
+          </a:xfrm>
+          <a:prstGeom prst="rect">
+            <a:avLst/>
+          </a:prstGeom>
+          <a:noFill/>
+        </p:spPr>
+        <p:txBody>
+          <a:bodyPr wrap="square" rtlCol="0">
+            <a:spAutoFit/>
+          </a:bodyPr>
+          <a:lstStyle/>
+          <a:p>
+            <a:r>
+              <a:rPr lang="hu-HU" dirty="0"/>
+              <a:t>1</a:t>
+            </a:r>
+          </a:p>
+        </p:txBody>
+      </p:sp>
+      <p:sp>
+        <p:nvSpPr>
+          <p:cNvPr id="279" name="Szövegdoboz 278">
+            <a:extLst>
+              <a:ext uri="{FF2B5EF4-FFF2-40B4-BE49-F238E27FC236}">
+                <a16:creationId xmlns:a16="http://schemas.microsoft.com/office/drawing/2014/main" id="{CADDCA70-6D76-5C04-08B5-F83B546385D2}"/>
+              </a:ext>
+            </a:extLst>
+          </p:cNvPr>
+          <p:cNvSpPr txBox="1"/>
+          <p:nvPr/>
+        </p:nvSpPr>
+        <p:spPr>
+          <a:xfrm>
+            <a:off x="6919535" y="2799380"/>
+            <a:ext cx="333746" cy="369332"/>
+          </a:xfrm>
+          <a:prstGeom prst="rect">
+            <a:avLst/>
+          </a:prstGeom>
+          <a:noFill/>
+        </p:spPr>
+        <p:txBody>
+          <a:bodyPr wrap="square" rtlCol="0">
+            <a:spAutoFit/>
+          </a:bodyPr>
+          <a:lstStyle/>
+          <a:p>
+            <a:r>
+              <a:rPr lang="hu-HU" dirty="0"/>
+              <a:t>N</a:t>
+            </a:r>
+          </a:p>
+        </p:txBody>
+      </p:sp>
+      <p:sp>
+        <p:nvSpPr>
+          <p:cNvPr id="280" name="Szövegdoboz 279">
+            <a:extLst>
+              <a:ext uri="{FF2B5EF4-FFF2-40B4-BE49-F238E27FC236}">
+                <a16:creationId xmlns:a16="http://schemas.microsoft.com/office/drawing/2014/main" id="{8D8CBC36-4FE3-BEDD-0835-BC2BA1F78E6B}"/>
+              </a:ext>
+            </a:extLst>
+          </p:cNvPr>
+          <p:cNvSpPr txBox="1"/>
+          <p:nvPr/>
+        </p:nvSpPr>
+        <p:spPr>
+          <a:xfrm>
+            <a:off x="5399085" y="1999494"/>
+            <a:ext cx="271224" cy="369332"/>
+          </a:xfrm>
+          <a:prstGeom prst="rect">
+            <a:avLst/>
+          </a:prstGeom>
+          <a:noFill/>
+        </p:spPr>
+        <p:txBody>
+          <a:bodyPr wrap="square" rtlCol="0">
+            <a:spAutoFit/>
+          </a:bodyPr>
+          <a:lstStyle/>
+          <a:p>
+            <a:r>
+              <a:rPr lang="hu-HU" dirty="0"/>
+              <a:t>1</a:t>
+            </a:r>
+          </a:p>
+        </p:txBody>
+      </p:sp>
+      <p:cxnSp>
+        <p:nvCxnSpPr>
+          <p:cNvPr id="281" name="Egyenes összekötő 280">
+            <a:extLst>
+              <a:ext uri="{FF2B5EF4-FFF2-40B4-BE49-F238E27FC236}">
+                <a16:creationId xmlns:a16="http://schemas.microsoft.com/office/drawing/2014/main" id="{DFFA93BC-3C3D-CD6D-378F-596CFEA415C6}"/>
+              </a:ext>
+            </a:extLst>
+          </p:cNvPr>
+          <p:cNvCxnSpPr>
+            <a:cxnSpLocks/>
+            <a:stCxn id="285" idx="2"/>
+            <a:endCxn id="38" idx="3"/>
+          </p:cNvCxnSpPr>
+          <p:nvPr/>
+        </p:nvCxnSpPr>
+        <p:spPr>
+          <a:xfrm flipH="1">
+            <a:off x="6327148" y="423895"/>
+            <a:ext cx="759260" cy="364846"/>
+          </a:xfrm>
+          <a:prstGeom prst="line">
+            <a:avLst/>
+          </a:prstGeom>
+          <a:ln w="28575"/>
+        </p:spPr>
+        <p:style>
+          <a:lnRef idx="1">
+            <a:schemeClr val="dk1"/>
+          </a:lnRef>
+          <a:fillRef idx="0">
+            <a:schemeClr val="dk1"/>
+          </a:fillRef>
+          <a:effectRef idx="0">
+            <a:schemeClr val="dk1"/>
+          </a:effectRef>
+          <a:fontRef idx="minor">
+            <a:schemeClr val="tx1"/>
+          </a:fontRef>
+        </p:style>
+      </p:cxnSp>
+      <p:sp>
+        <p:nvSpPr>
+          <p:cNvPr id="285" name="Ellipszis 284">
+            <a:extLst>
+              <a:ext uri="{FF2B5EF4-FFF2-40B4-BE49-F238E27FC236}">
+                <a16:creationId xmlns:a16="http://schemas.microsoft.com/office/drawing/2014/main" id="{834A00FA-33FE-C67C-E9AD-19E3A8F117C3}"/>
               </a:ext>
             </a:extLst>
           </p:cNvPr>
@@ -6177,14 +6387,13 @@
         </p:nvSpPr>
         <p:spPr>
           <a:xfrm>
-            <a:off x="31533" y="2996265"/>
-            <a:ext cx="1392572" cy="620785"/>
-          </a:xfrm>
-          <a:prstGeom prst="rect">
-            <a:avLst/>
-          </a:prstGeom>
-          <a:noFill/>
-          <a:ln w="38100">
+            <a:off x="7086408" y="161988"/>
+            <a:ext cx="1534077" cy="523813"/>
+          </a:xfrm>
+          <a:prstGeom prst="ellipse">
+            <a:avLst/>
+          </a:prstGeom>
+          <a:ln w="19050">
             <a:solidFill>
               <a:schemeClr val="tx1"/>
             </a:solidFill>
@@ -6192,18 +6401,16 @@
         </p:spPr>
         <p:style>
           <a:lnRef idx="2">
-            <a:schemeClr val="accent1">
-              <a:shade val="50000"/>
-            </a:schemeClr>
+            <a:schemeClr val="accent6"/>
           </a:lnRef>
           <a:fillRef idx="1">
-            <a:schemeClr val="accent1"/>
+            <a:schemeClr val="lt1"/>
           </a:fillRef>
           <a:effectRef idx="0">
-            <a:schemeClr val="accent1"/>
+            <a:schemeClr val="accent6"/>
           </a:effectRef>
           <a:fontRef idx="minor">
-            <a:schemeClr val="lt1"/>
+            <a:schemeClr val="dk1"/>
           </a:fontRef>
         </p:style>
         <p:txBody>
@@ -6212,36 +6419,98 @@
           <a:p>
             <a:pPr algn="ctr"/>
             <a:r>
-              <a:rPr lang="hu-HU" dirty="0">
-                <a:solidFill>
-                  <a:schemeClr val="tx1"/>
-                </a:solidFill>
-              </a:rPr>
-              <a:t>Costumer</a:t>
-            </a:r>
+              <a:rPr lang="hu-HU" dirty="0" err="1"/>
+              <a:t>Delivery</a:t>
+            </a:r>
+            <a:r>
+              <a:rPr lang="hu-HU" dirty="0"/>
+              <a:t> </a:t>
+            </a:r>
+            <a:r>
+              <a:rPr lang="hu-HU" dirty="0" err="1"/>
+              <a:t>address</a:t>
+            </a:r>
+            <a:endParaRPr lang="hu-HU" dirty="0">
+              <a:noFill/>
+            </a:endParaRPr>
+          </a:p>
+        </p:txBody>
+      </p:sp>
+      <p:sp>
+        <p:nvSpPr>
+          <p:cNvPr id="289" name="Ellipszis 288">
+            <a:extLst>
+              <a:ext uri="{FF2B5EF4-FFF2-40B4-BE49-F238E27FC236}">
+                <a16:creationId xmlns:a16="http://schemas.microsoft.com/office/drawing/2014/main" id="{3B0B516F-A546-1BA0-E189-32991C945FEA}"/>
+              </a:ext>
+            </a:extLst>
+          </p:cNvPr>
+          <p:cNvSpPr/>
+          <p:nvPr/>
+        </p:nvSpPr>
+        <p:spPr>
+          <a:xfrm>
+            <a:off x="6931147" y="1142477"/>
+            <a:ext cx="2360158" cy="523813"/>
+          </a:xfrm>
+          <a:prstGeom prst="ellipse">
+            <a:avLst/>
+          </a:prstGeom>
+          <a:ln w="19050">
+            <a:solidFill>
+              <a:schemeClr val="tx1"/>
+            </a:solidFill>
+          </a:ln>
+        </p:spPr>
+        <p:style>
+          <a:lnRef idx="2">
+            <a:schemeClr val="accent6"/>
+          </a:lnRef>
+          <a:fillRef idx="1">
+            <a:schemeClr val="lt1"/>
+          </a:fillRef>
+          <a:effectRef idx="0">
+            <a:schemeClr val="accent6"/>
+          </a:effectRef>
+          <a:fontRef idx="minor">
+            <a:schemeClr val="dk1"/>
+          </a:fontRef>
+        </p:style>
+        <p:txBody>
+          <a:bodyPr rtlCol="0" anchor="ctr"/>
+          <a:lstStyle/>
+          <a:p>
+            <a:pPr algn="ctr"/>
+            <a:r>
+              <a:rPr lang="hu-HU" dirty="0" err="1"/>
+              <a:t>dateOfPurchase</a:t>
+            </a:r>
+            <a:endParaRPr lang="hu-HU" dirty="0">
+              <a:noFill/>
+            </a:endParaRPr>
           </a:p>
         </p:txBody>
       </p:sp>
       <p:cxnSp>
         <p:nvCxnSpPr>
-          <p:cNvPr id="78" name="Egyenes összekötő 77">
-            <a:extLst>
-              <a:ext uri="{FF2B5EF4-FFF2-40B4-BE49-F238E27FC236}">
-                <a16:creationId xmlns:a16="http://schemas.microsoft.com/office/drawing/2014/main" id="{E5C43AB0-93CB-4588-9543-0F90E1F8AB48}"/>
+          <p:cNvPr id="290" name="Egyenes összekötő 289">
+            <a:extLst>
+              <a:ext uri="{FF2B5EF4-FFF2-40B4-BE49-F238E27FC236}">
+                <a16:creationId xmlns:a16="http://schemas.microsoft.com/office/drawing/2014/main" id="{C308FF46-3D82-C69A-6B32-891EB02778AD}"/>
               </a:ext>
             </a:extLst>
           </p:cNvPr>
           <p:cNvCxnSpPr>
             <a:cxnSpLocks/>
-            <a:stCxn id="67" idx="1"/>
-            <a:endCxn id="77" idx="3"/>
+            <a:stCxn id="289" idx="2"/>
+            <a:endCxn id="38" idx="3"/>
           </p:cNvCxnSpPr>
           <p:nvPr/>
         </p:nvCxnSpPr>
         <p:spPr>
           <a:xfrm flipH="1" flipV="1">
-            <a:off x="1424105" y="3306658"/>
-            <a:ext cx="708789" cy="1"/>
+            <a:off x="6327148" y="788741"/>
+            <a:ext cx="603999" cy="615643"/>
           </a:xfrm>
           <a:prstGeom prst="line">
             <a:avLst/>

--- a/Er.pptx
+++ b/Er.pptx
@@ -6350,8 +6350,8 @@
         </p:nvCxnSpPr>
         <p:spPr>
           <a:xfrm flipH="1">
-            <a:off x="6327148" y="423895"/>
-            <a:ext cx="759260" cy="364846"/>
+            <a:off x="6327148" y="740003"/>
+            <a:ext cx="973100" cy="48738"/>
           </a:xfrm>
           <a:prstGeom prst="line">
             <a:avLst/>
@@ -6387,7 +6387,7 @@
         </p:nvSpPr>
         <p:spPr>
           <a:xfrm>
-            <a:off x="7086408" y="161988"/>
+            <a:off x="7300248" y="478096"/>
             <a:ext cx="1534077" cy="523813"/>
           </a:xfrm>
           <a:prstGeom prst="ellipse">
@@ -6511,6 +6511,293 @@
           <a:xfrm flipH="1" flipV="1">
             <a:off x="6327148" y="788741"/>
             <a:ext cx="603999" cy="615643"/>
+          </a:xfrm>
+          <a:prstGeom prst="line">
+            <a:avLst/>
+          </a:prstGeom>
+          <a:ln w="28575"/>
+        </p:spPr>
+        <p:style>
+          <a:lnRef idx="1">
+            <a:schemeClr val="dk1"/>
+          </a:lnRef>
+          <a:fillRef idx="0">
+            <a:schemeClr val="dk1"/>
+          </a:fillRef>
+          <a:effectRef idx="0">
+            <a:schemeClr val="dk1"/>
+          </a:effectRef>
+          <a:fontRef idx="minor">
+            <a:schemeClr val="tx1"/>
+          </a:fontRef>
+        </p:style>
+      </p:cxnSp>
+      <p:sp>
+        <p:nvSpPr>
+          <p:cNvPr id="4" name="Ellipszis 3">
+            <a:extLst>
+              <a:ext uri="{FF2B5EF4-FFF2-40B4-BE49-F238E27FC236}">
+                <a16:creationId xmlns:a16="http://schemas.microsoft.com/office/drawing/2014/main" id="{3B19C8C0-2AC4-0C21-815B-7C2E8CCF4CDD}"/>
+              </a:ext>
+            </a:extLst>
+          </p:cNvPr>
+          <p:cNvSpPr/>
+          <p:nvPr/>
+        </p:nvSpPr>
+        <p:spPr>
+          <a:xfrm>
+            <a:off x="8864634" y="19046"/>
+            <a:ext cx="1785803" cy="523813"/>
+          </a:xfrm>
+          <a:prstGeom prst="ellipse">
+            <a:avLst/>
+          </a:prstGeom>
+          <a:ln w="19050">
+            <a:solidFill>
+              <a:schemeClr val="tx1"/>
+            </a:solidFill>
+          </a:ln>
+        </p:spPr>
+        <p:style>
+          <a:lnRef idx="2">
+            <a:schemeClr val="accent6"/>
+          </a:lnRef>
+          <a:fillRef idx="1">
+            <a:schemeClr val="lt1"/>
+          </a:fillRef>
+          <a:effectRef idx="0">
+            <a:schemeClr val="accent6"/>
+          </a:effectRef>
+          <a:fontRef idx="minor">
+            <a:schemeClr val="dk1"/>
+          </a:fontRef>
+        </p:style>
+        <p:txBody>
+          <a:bodyPr rtlCol="0" anchor="ctr"/>
+          <a:lstStyle/>
+          <a:p>
+            <a:pPr algn="ctr"/>
+            <a:r>
+              <a:rPr lang="hu-HU" dirty="0" err="1"/>
+              <a:t>DeliveryPC</a:t>
+            </a:r>
+            <a:endParaRPr lang="hu-HU" dirty="0">
+              <a:noFill/>
+            </a:endParaRPr>
+          </a:p>
+        </p:txBody>
+      </p:sp>
+      <p:sp>
+        <p:nvSpPr>
+          <p:cNvPr id="5" name="Ellipszis 4">
+            <a:extLst>
+              <a:ext uri="{FF2B5EF4-FFF2-40B4-BE49-F238E27FC236}">
+                <a16:creationId xmlns:a16="http://schemas.microsoft.com/office/drawing/2014/main" id="{4FFAA737-6C25-5EFD-F82B-82296B3E5F4F}"/>
+              </a:ext>
+            </a:extLst>
+          </p:cNvPr>
+          <p:cNvSpPr/>
+          <p:nvPr/>
+        </p:nvSpPr>
+        <p:spPr>
+          <a:xfrm>
+            <a:off x="10261264" y="589346"/>
+            <a:ext cx="1850223" cy="523813"/>
+          </a:xfrm>
+          <a:prstGeom prst="ellipse">
+            <a:avLst/>
+          </a:prstGeom>
+          <a:ln w="19050">
+            <a:solidFill>
+              <a:schemeClr val="tx1"/>
+            </a:solidFill>
+          </a:ln>
+        </p:spPr>
+        <p:style>
+          <a:lnRef idx="2">
+            <a:schemeClr val="accent6"/>
+          </a:lnRef>
+          <a:fillRef idx="1">
+            <a:schemeClr val="lt1"/>
+          </a:fillRef>
+          <a:effectRef idx="0">
+            <a:schemeClr val="accent6"/>
+          </a:effectRef>
+          <a:fontRef idx="minor">
+            <a:schemeClr val="dk1"/>
+          </a:fontRef>
+        </p:style>
+        <p:txBody>
+          <a:bodyPr rtlCol="0" anchor="ctr"/>
+          <a:lstStyle/>
+          <a:p>
+            <a:pPr algn="ctr"/>
+            <a:r>
+              <a:rPr lang="hu-HU" dirty="0" err="1"/>
+              <a:t>Deliverycity</a:t>
+            </a:r>
+            <a:endParaRPr lang="hu-HU" dirty="0">
+              <a:noFill/>
+            </a:endParaRPr>
+          </a:p>
+        </p:txBody>
+      </p:sp>
+      <p:sp>
+        <p:nvSpPr>
+          <p:cNvPr id="6" name="Ellipszis 5">
+            <a:extLst>
+              <a:ext uri="{FF2B5EF4-FFF2-40B4-BE49-F238E27FC236}">
+                <a16:creationId xmlns:a16="http://schemas.microsoft.com/office/drawing/2014/main" id="{91230420-6822-891C-17EE-5DBFE20E2608}"/>
+              </a:ext>
+            </a:extLst>
+          </p:cNvPr>
+          <p:cNvSpPr/>
+          <p:nvPr/>
+        </p:nvSpPr>
+        <p:spPr>
+          <a:xfrm>
+            <a:off x="9515467" y="1252462"/>
+            <a:ext cx="2104313" cy="537095"/>
+          </a:xfrm>
+          <a:prstGeom prst="ellipse">
+            <a:avLst/>
+          </a:prstGeom>
+          <a:ln w="19050">
+            <a:solidFill>
+              <a:schemeClr val="tx1"/>
+            </a:solidFill>
+          </a:ln>
+        </p:spPr>
+        <p:style>
+          <a:lnRef idx="2">
+            <a:schemeClr val="accent6"/>
+          </a:lnRef>
+          <a:fillRef idx="1">
+            <a:schemeClr val="lt1"/>
+          </a:fillRef>
+          <a:effectRef idx="0">
+            <a:schemeClr val="accent6"/>
+          </a:effectRef>
+          <a:fontRef idx="minor">
+            <a:schemeClr val="dk1"/>
+          </a:fontRef>
+        </p:style>
+        <p:txBody>
+          <a:bodyPr rtlCol="0" anchor="ctr"/>
+          <a:lstStyle/>
+          <a:p>
+            <a:pPr algn="ctr"/>
+            <a:r>
+              <a:rPr lang="hu-HU" dirty="0" err="1"/>
+              <a:t>Deliverystreet</a:t>
+            </a:r>
+            <a:endParaRPr lang="hu-HU" dirty="0">
+              <a:noFill/>
+            </a:endParaRPr>
+          </a:p>
+        </p:txBody>
+      </p:sp>
+      <p:cxnSp>
+        <p:nvCxnSpPr>
+          <p:cNvPr id="15" name="Egyenes összekötő 14">
+            <a:extLst>
+              <a:ext uri="{FF2B5EF4-FFF2-40B4-BE49-F238E27FC236}">
+                <a16:creationId xmlns:a16="http://schemas.microsoft.com/office/drawing/2014/main" id="{8F1DDD05-515D-13C4-B6D9-34E2BE27FA94}"/>
+              </a:ext>
+            </a:extLst>
+          </p:cNvPr>
+          <p:cNvCxnSpPr>
+            <a:cxnSpLocks/>
+            <a:stCxn id="5" idx="2"/>
+            <a:endCxn id="285" idx="6"/>
+          </p:cNvCxnSpPr>
+          <p:nvPr/>
+        </p:nvCxnSpPr>
+        <p:spPr>
+          <a:xfrm flipH="1" flipV="1">
+            <a:off x="8834325" y="740003"/>
+            <a:ext cx="1426939" cy="111250"/>
+          </a:xfrm>
+          <a:prstGeom prst="line">
+            <a:avLst/>
+          </a:prstGeom>
+          <a:ln w="28575"/>
+        </p:spPr>
+        <p:style>
+          <a:lnRef idx="1">
+            <a:schemeClr val="dk1"/>
+          </a:lnRef>
+          <a:fillRef idx="0">
+            <a:schemeClr val="dk1"/>
+          </a:fillRef>
+          <a:effectRef idx="0">
+            <a:schemeClr val="dk1"/>
+          </a:effectRef>
+          <a:fontRef idx="minor">
+            <a:schemeClr val="tx1"/>
+          </a:fontRef>
+        </p:style>
+      </p:cxnSp>
+      <p:cxnSp>
+        <p:nvCxnSpPr>
+          <p:cNvPr id="18" name="Egyenes összekötő 17">
+            <a:extLst>
+              <a:ext uri="{FF2B5EF4-FFF2-40B4-BE49-F238E27FC236}">
+                <a16:creationId xmlns:a16="http://schemas.microsoft.com/office/drawing/2014/main" id="{B68E5EAA-DD1C-4F96-5284-4AF8A45323DB}"/>
+              </a:ext>
+            </a:extLst>
+          </p:cNvPr>
+          <p:cNvCxnSpPr>
+            <a:cxnSpLocks/>
+            <a:stCxn id="4" idx="2"/>
+            <a:endCxn id="285" idx="6"/>
+          </p:cNvCxnSpPr>
+          <p:nvPr/>
+        </p:nvCxnSpPr>
+        <p:spPr>
+          <a:xfrm flipH="1">
+            <a:off x="8834325" y="280953"/>
+            <a:ext cx="30309" cy="459050"/>
+          </a:xfrm>
+          <a:prstGeom prst="line">
+            <a:avLst/>
+          </a:prstGeom>
+          <a:ln w="28575"/>
+        </p:spPr>
+        <p:style>
+          <a:lnRef idx="1">
+            <a:schemeClr val="dk1"/>
+          </a:lnRef>
+          <a:fillRef idx="0">
+            <a:schemeClr val="dk1"/>
+          </a:fillRef>
+          <a:effectRef idx="0">
+            <a:schemeClr val="dk1"/>
+          </a:effectRef>
+          <a:fontRef idx="minor">
+            <a:schemeClr val="tx1"/>
+          </a:fontRef>
+        </p:style>
+      </p:cxnSp>
+      <p:cxnSp>
+        <p:nvCxnSpPr>
+          <p:cNvPr id="25" name="Egyenes összekötő 24">
+            <a:extLst>
+              <a:ext uri="{FF2B5EF4-FFF2-40B4-BE49-F238E27FC236}">
+                <a16:creationId xmlns:a16="http://schemas.microsoft.com/office/drawing/2014/main" id="{A7340E06-844D-6C93-0290-BD12480C2E9C}"/>
+              </a:ext>
+            </a:extLst>
+          </p:cNvPr>
+          <p:cNvCxnSpPr>
+            <a:cxnSpLocks/>
+            <a:endCxn id="285" idx="6"/>
+          </p:cNvCxnSpPr>
+          <p:nvPr/>
+        </p:nvCxnSpPr>
+        <p:spPr>
+          <a:xfrm flipH="1" flipV="1">
+            <a:off x="8834325" y="740003"/>
+            <a:ext cx="1249954" cy="523813"/>
           </a:xfrm>
           <a:prstGeom prst="line">
             <a:avLst/>
